--- a/Project/FinalProjectPresentation.pptx
+++ b/Project/FinalProjectPresentation.pptx
@@ -4,14 +4,24 @@
   <p:sldMasterIdLst>
     <p:sldMasterId id="2147483648" r:id="rId1"/>
   </p:sldMasterIdLst>
+  <p:notesMasterIdLst>
+    <p:notesMasterId r:id="rId16"/>
+  </p:notesMasterIdLst>
   <p:sldIdLst>
-    <p:sldId id="262" r:id="rId2"/>
-    <p:sldId id="256" r:id="rId3"/>
-    <p:sldId id="257" r:id="rId4"/>
-    <p:sldId id="258" r:id="rId5"/>
-    <p:sldId id="259" r:id="rId6"/>
-    <p:sldId id="260" r:id="rId7"/>
-    <p:sldId id="261" r:id="rId8"/>
+    <p:sldId id="256" r:id="rId2"/>
+    <p:sldId id="257" r:id="rId3"/>
+    <p:sldId id="264" r:id="rId4"/>
+    <p:sldId id="263" r:id="rId5"/>
+    <p:sldId id="267" r:id="rId6"/>
+    <p:sldId id="273" r:id="rId7"/>
+    <p:sldId id="269" r:id="rId8"/>
+    <p:sldId id="268" r:id="rId9"/>
+    <p:sldId id="274" r:id="rId10"/>
+    <p:sldId id="275" r:id="rId11"/>
+    <p:sldId id="278" r:id="rId12"/>
+    <p:sldId id="270" r:id="rId13"/>
+    <p:sldId id="272" r:id="rId14"/>
+    <p:sldId id="277" r:id="rId15"/>
   </p:sldIdLst>
   <p:sldSz cx="12192000" cy="6858000"/>
   <p:notesSz cx="6858000" cy="9144000"/>
@@ -110,7 +120,1494 @@
       </a:defRPr>
     </a:lvl9pPr>
   </p:defaultTextStyle>
+  <p:extLst>
+    <p:ext uri="{EFAFB233-063F-42B5-8137-9DF3F51BA10A}">
+      <p15:sldGuideLst xmlns:p15="http://schemas.microsoft.com/office/powerpoint/2012/main"/>
+    </p:ext>
+  </p:extLst>
 </p:presentation>
+</file>
+
+<file path=ppt/notesMasters/notesMaster1.xml><?xml version="1.0" encoding="utf-8"?>
+<p:notesMaster xmlns:a="http://schemas.openxmlformats.org/drawingml/2006/main" xmlns:r="http://schemas.openxmlformats.org/officeDocument/2006/relationships" xmlns:p="http://schemas.openxmlformats.org/presentationml/2006/main">
+  <p:cSld>
+    <p:bg>
+      <p:bgRef idx="1001">
+        <a:schemeClr val="bg1"/>
+      </p:bgRef>
+    </p:bg>
+    <p:spTree>
+      <p:nvGrpSpPr>
+        <p:cNvPr id="1" name=""/>
+        <p:cNvGrpSpPr/>
+        <p:nvPr/>
+      </p:nvGrpSpPr>
+      <p:grpSpPr>
+        <a:xfrm>
+          <a:off x="0" y="0"/>
+          <a:ext cx="0" cy="0"/>
+          <a:chOff x="0" y="0"/>
+          <a:chExt cx="0" cy="0"/>
+        </a:xfrm>
+      </p:grpSpPr>
+      <p:sp>
+        <p:nvSpPr>
+          <p:cNvPr id="2" name="Header Placeholder 1"/>
+          <p:cNvSpPr>
+            <a:spLocks noGrp="1"/>
+          </p:cNvSpPr>
+          <p:nvPr>
+            <p:ph type="hdr" sz="quarter"/>
+          </p:nvPr>
+        </p:nvSpPr>
+        <p:spPr>
+          <a:xfrm>
+            <a:off x="0" y="0"/>
+            <a:ext cx="2971800" cy="458788"/>
+          </a:xfrm>
+          <a:prstGeom prst="rect">
+            <a:avLst/>
+          </a:prstGeom>
+        </p:spPr>
+        <p:txBody>
+          <a:bodyPr vert="horz" lIns="91440" tIns="45720" rIns="91440" bIns="45720" rtlCol="0"/>
+          <a:lstStyle>
+            <a:lvl1pPr algn="l">
+              <a:defRPr sz="1200"/>
+            </a:lvl1pPr>
+          </a:lstStyle>
+          <a:p>
+            <a:endParaRPr lang="en-US"/>
+          </a:p>
+        </p:txBody>
+      </p:sp>
+      <p:sp>
+        <p:nvSpPr>
+          <p:cNvPr id="3" name="Date Placeholder 2"/>
+          <p:cNvSpPr>
+            <a:spLocks noGrp="1"/>
+          </p:cNvSpPr>
+          <p:nvPr>
+            <p:ph type="dt" idx="1"/>
+          </p:nvPr>
+        </p:nvSpPr>
+        <p:spPr>
+          <a:xfrm>
+            <a:off x="3884613" y="0"/>
+            <a:ext cx="2971800" cy="458788"/>
+          </a:xfrm>
+          <a:prstGeom prst="rect">
+            <a:avLst/>
+          </a:prstGeom>
+        </p:spPr>
+        <p:txBody>
+          <a:bodyPr vert="horz" lIns="91440" tIns="45720" rIns="91440" bIns="45720" rtlCol="0"/>
+          <a:lstStyle>
+            <a:lvl1pPr algn="r">
+              <a:defRPr sz="1200"/>
+            </a:lvl1pPr>
+          </a:lstStyle>
+          <a:p>
+            <a:fld id="{C5B58FC2-3246-4DA7-95CF-3D2FC1A26822}" type="datetimeFigureOut">
+              <a:rPr lang="en-US" smtClean="0"/>
+              <a:t>12/11/2024</a:t>
+            </a:fld>
+            <a:endParaRPr lang="en-US"/>
+          </a:p>
+        </p:txBody>
+      </p:sp>
+      <p:sp>
+        <p:nvSpPr>
+          <p:cNvPr id="4" name="Slide Image Placeholder 3"/>
+          <p:cNvSpPr>
+            <a:spLocks noGrp="1" noRot="1" noChangeAspect="1"/>
+          </p:cNvSpPr>
+          <p:nvPr>
+            <p:ph type="sldImg" idx="2"/>
+          </p:nvPr>
+        </p:nvSpPr>
+        <p:spPr>
+          <a:xfrm>
+            <a:off x="685800" y="1143000"/>
+            <a:ext cx="5486400" cy="3086100"/>
+          </a:xfrm>
+          <a:prstGeom prst="rect">
+            <a:avLst/>
+          </a:prstGeom>
+          <a:noFill/>
+          <a:ln w="12700">
+            <a:solidFill>
+              <a:prstClr val="black"/>
+            </a:solidFill>
+          </a:ln>
+        </p:spPr>
+        <p:txBody>
+          <a:bodyPr vert="horz" lIns="91440" tIns="45720" rIns="91440" bIns="45720" rtlCol="0" anchor="ctr"/>
+          <a:lstStyle/>
+          <a:p>
+            <a:endParaRPr lang="en-US"/>
+          </a:p>
+        </p:txBody>
+      </p:sp>
+      <p:sp>
+        <p:nvSpPr>
+          <p:cNvPr id="5" name="Notes Placeholder 4"/>
+          <p:cNvSpPr>
+            <a:spLocks noGrp="1"/>
+          </p:cNvSpPr>
+          <p:nvPr>
+            <p:ph type="body" sz="quarter" idx="3"/>
+          </p:nvPr>
+        </p:nvSpPr>
+        <p:spPr>
+          <a:xfrm>
+            <a:off x="685800" y="4400550"/>
+            <a:ext cx="5486400" cy="3600450"/>
+          </a:xfrm>
+          <a:prstGeom prst="rect">
+            <a:avLst/>
+          </a:prstGeom>
+        </p:spPr>
+        <p:txBody>
+          <a:bodyPr vert="horz" lIns="91440" tIns="45720" rIns="91440" bIns="45720" rtlCol="0"/>
+          <a:lstStyle/>
+          <a:p>
+            <a:pPr lvl="0"/>
+            <a:r>
+              <a:rPr lang="en-US"/>
+              <a:t>Click to edit Master text styles</a:t>
+            </a:r>
+          </a:p>
+          <a:p>
+            <a:pPr lvl="1"/>
+            <a:r>
+              <a:rPr lang="en-US"/>
+              <a:t>Second level</a:t>
+            </a:r>
+          </a:p>
+          <a:p>
+            <a:pPr lvl="2"/>
+            <a:r>
+              <a:rPr lang="en-US"/>
+              <a:t>Third level</a:t>
+            </a:r>
+          </a:p>
+          <a:p>
+            <a:pPr lvl="3"/>
+            <a:r>
+              <a:rPr lang="en-US"/>
+              <a:t>Fourth level</a:t>
+            </a:r>
+          </a:p>
+          <a:p>
+            <a:pPr lvl="4"/>
+            <a:r>
+              <a:rPr lang="en-US"/>
+              <a:t>Fifth level</a:t>
+            </a:r>
+          </a:p>
+        </p:txBody>
+      </p:sp>
+      <p:sp>
+        <p:nvSpPr>
+          <p:cNvPr id="6" name="Footer Placeholder 5"/>
+          <p:cNvSpPr>
+            <a:spLocks noGrp="1"/>
+          </p:cNvSpPr>
+          <p:nvPr>
+            <p:ph type="ftr" sz="quarter" idx="4"/>
+          </p:nvPr>
+        </p:nvSpPr>
+        <p:spPr>
+          <a:xfrm>
+            <a:off x="0" y="8685213"/>
+            <a:ext cx="2971800" cy="458787"/>
+          </a:xfrm>
+          <a:prstGeom prst="rect">
+            <a:avLst/>
+          </a:prstGeom>
+        </p:spPr>
+        <p:txBody>
+          <a:bodyPr vert="horz" lIns="91440" tIns="45720" rIns="91440" bIns="45720" rtlCol="0" anchor="b"/>
+          <a:lstStyle>
+            <a:lvl1pPr algn="l">
+              <a:defRPr sz="1200"/>
+            </a:lvl1pPr>
+          </a:lstStyle>
+          <a:p>
+            <a:endParaRPr lang="en-US"/>
+          </a:p>
+        </p:txBody>
+      </p:sp>
+      <p:sp>
+        <p:nvSpPr>
+          <p:cNvPr id="7" name="Slide Number Placeholder 6"/>
+          <p:cNvSpPr>
+            <a:spLocks noGrp="1"/>
+          </p:cNvSpPr>
+          <p:nvPr>
+            <p:ph type="sldNum" sz="quarter" idx="5"/>
+          </p:nvPr>
+        </p:nvSpPr>
+        <p:spPr>
+          <a:xfrm>
+            <a:off x="3884613" y="8685213"/>
+            <a:ext cx="2971800" cy="458787"/>
+          </a:xfrm>
+          <a:prstGeom prst="rect">
+            <a:avLst/>
+          </a:prstGeom>
+        </p:spPr>
+        <p:txBody>
+          <a:bodyPr vert="horz" lIns="91440" tIns="45720" rIns="91440" bIns="45720" rtlCol="0" anchor="b"/>
+          <a:lstStyle>
+            <a:lvl1pPr algn="r">
+              <a:defRPr sz="1200"/>
+            </a:lvl1pPr>
+          </a:lstStyle>
+          <a:p>
+            <a:fld id="{1F552661-5844-44C6-A4AC-7729D18C1296}" type="slidenum">
+              <a:rPr lang="en-US" smtClean="0"/>
+              <a:t>‹#›</a:t>
+            </a:fld>
+            <a:endParaRPr lang="en-US"/>
+          </a:p>
+        </p:txBody>
+      </p:sp>
+    </p:spTree>
+    <p:extLst>
+      <p:ext uri="{BB962C8B-B14F-4D97-AF65-F5344CB8AC3E}">
+        <p14:creationId xmlns:p14="http://schemas.microsoft.com/office/powerpoint/2010/main" val="2392319975"/>
+      </p:ext>
+    </p:extLst>
+  </p:cSld>
+  <p:clrMap bg1="lt1" tx1="dk1" bg2="lt2" tx2="dk2" accent1="accent1" accent2="accent2" accent3="accent3" accent4="accent4" accent5="accent5" accent6="accent6" hlink="hlink" folHlink="folHlink"/>
+  <p:notesStyle>
+    <a:lvl1pPr marL="0" algn="l" defTabSz="914400" rtl="0" eaLnBrk="1" latinLnBrk="0" hangingPunct="1">
+      <a:defRPr sz="1200" kern="1200">
+        <a:solidFill>
+          <a:schemeClr val="tx1"/>
+        </a:solidFill>
+        <a:latin typeface="+mn-lt"/>
+        <a:ea typeface="+mn-ea"/>
+        <a:cs typeface="+mn-cs"/>
+      </a:defRPr>
+    </a:lvl1pPr>
+    <a:lvl2pPr marL="457200" algn="l" defTabSz="914400" rtl="0" eaLnBrk="1" latinLnBrk="0" hangingPunct="1">
+      <a:defRPr sz="1200" kern="1200">
+        <a:solidFill>
+          <a:schemeClr val="tx1"/>
+        </a:solidFill>
+        <a:latin typeface="+mn-lt"/>
+        <a:ea typeface="+mn-ea"/>
+        <a:cs typeface="+mn-cs"/>
+      </a:defRPr>
+    </a:lvl2pPr>
+    <a:lvl3pPr marL="914400" algn="l" defTabSz="914400" rtl="0" eaLnBrk="1" latinLnBrk="0" hangingPunct="1">
+      <a:defRPr sz="1200" kern="1200">
+        <a:solidFill>
+          <a:schemeClr val="tx1"/>
+        </a:solidFill>
+        <a:latin typeface="+mn-lt"/>
+        <a:ea typeface="+mn-ea"/>
+        <a:cs typeface="+mn-cs"/>
+      </a:defRPr>
+    </a:lvl3pPr>
+    <a:lvl4pPr marL="1371600" algn="l" defTabSz="914400" rtl="0" eaLnBrk="1" latinLnBrk="0" hangingPunct="1">
+      <a:defRPr sz="1200" kern="1200">
+        <a:solidFill>
+          <a:schemeClr val="tx1"/>
+        </a:solidFill>
+        <a:latin typeface="+mn-lt"/>
+        <a:ea typeface="+mn-ea"/>
+        <a:cs typeface="+mn-cs"/>
+      </a:defRPr>
+    </a:lvl4pPr>
+    <a:lvl5pPr marL="1828800" algn="l" defTabSz="914400" rtl="0" eaLnBrk="1" latinLnBrk="0" hangingPunct="1">
+      <a:defRPr sz="1200" kern="1200">
+        <a:solidFill>
+          <a:schemeClr val="tx1"/>
+        </a:solidFill>
+        <a:latin typeface="+mn-lt"/>
+        <a:ea typeface="+mn-ea"/>
+        <a:cs typeface="+mn-cs"/>
+      </a:defRPr>
+    </a:lvl5pPr>
+    <a:lvl6pPr marL="2286000" algn="l" defTabSz="914400" rtl="0" eaLnBrk="1" latinLnBrk="0" hangingPunct="1">
+      <a:defRPr sz="1200" kern="1200">
+        <a:solidFill>
+          <a:schemeClr val="tx1"/>
+        </a:solidFill>
+        <a:latin typeface="+mn-lt"/>
+        <a:ea typeface="+mn-ea"/>
+        <a:cs typeface="+mn-cs"/>
+      </a:defRPr>
+    </a:lvl6pPr>
+    <a:lvl7pPr marL="2743200" algn="l" defTabSz="914400" rtl="0" eaLnBrk="1" latinLnBrk="0" hangingPunct="1">
+      <a:defRPr sz="1200" kern="1200">
+        <a:solidFill>
+          <a:schemeClr val="tx1"/>
+        </a:solidFill>
+        <a:latin typeface="+mn-lt"/>
+        <a:ea typeface="+mn-ea"/>
+        <a:cs typeface="+mn-cs"/>
+      </a:defRPr>
+    </a:lvl7pPr>
+    <a:lvl8pPr marL="3200400" algn="l" defTabSz="914400" rtl="0" eaLnBrk="1" latinLnBrk="0" hangingPunct="1">
+      <a:defRPr sz="1200" kern="1200">
+        <a:solidFill>
+          <a:schemeClr val="tx1"/>
+        </a:solidFill>
+        <a:latin typeface="+mn-lt"/>
+        <a:ea typeface="+mn-ea"/>
+        <a:cs typeface="+mn-cs"/>
+      </a:defRPr>
+    </a:lvl8pPr>
+    <a:lvl9pPr marL="3657600" algn="l" defTabSz="914400" rtl="0" eaLnBrk="1" latinLnBrk="0" hangingPunct="1">
+      <a:defRPr sz="1200" kern="1200">
+        <a:solidFill>
+          <a:schemeClr val="tx1"/>
+        </a:solidFill>
+        <a:latin typeface="+mn-lt"/>
+        <a:ea typeface="+mn-ea"/>
+        <a:cs typeface="+mn-cs"/>
+      </a:defRPr>
+    </a:lvl9pPr>
+  </p:notesStyle>
+</p:notesMaster>
+</file>
+
+<file path=ppt/notesSlides/notesSlide1.xml><?xml version="1.0" encoding="utf-8"?>
+<p:notes xmlns:a="http://schemas.openxmlformats.org/drawingml/2006/main" xmlns:r="http://schemas.openxmlformats.org/officeDocument/2006/relationships" xmlns:p="http://schemas.openxmlformats.org/presentationml/2006/main">
+  <p:cSld>
+    <p:spTree>
+      <p:nvGrpSpPr>
+        <p:cNvPr id="1" name=""/>
+        <p:cNvGrpSpPr/>
+        <p:nvPr/>
+      </p:nvGrpSpPr>
+      <p:grpSpPr>
+        <a:xfrm>
+          <a:off x="0" y="0"/>
+          <a:ext cx="0" cy="0"/>
+          <a:chOff x="0" y="0"/>
+          <a:chExt cx="0" cy="0"/>
+        </a:xfrm>
+      </p:grpSpPr>
+      <p:sp>
+        <p:nvSpPr>
+          <p:cNvPr id="2" name="Slide Image Placeholder 1"/>
+          <p:cNvSpPr>
+            <a:spLocks noGrp="1" noRot="1" noChangeAspect="1"/>
+          </p:cNvSpPr>
+          <p:nvPr>
+            <p:ph type="sldImg"/>
+          </p:nvPr>
+        </p:nvSpPr>
+        <p:spPr/>
+      </p:sp>
+      <p:sp>
+        <p:nvSpPr>
+          <p:cNvPr id="3" name="Notes Placeholder 2"/>
+          <p:cNvSpPr>
+            <a:spLocks noGrp="1"/>
+          </p:cNvSpPr>
+          <p:nvPr>
+            <p:ph type="body" idx="1"/>
+          </p:nvPr>
+        </p:nvSpPr>
+        <p:spPr/>
+        <p:txBody>
+          <a:bodyPr/>
+          <a:lstStyle/>
+          <a:p>
+            <a:endParaRPr lang="en-US" dirty="0"/>
+          </a:p>
+          <a:p>
+            <a:r>
+              <a:rPr lang="en-US" dirty="0"/>
+              <a:t>dependent variable: turnout, number of members in the building that showed up to the meeting</a:t>
+            </a:r>
+          </a:p>
+          <a:p>
+            <a:r>
+              <a:rPr lang="en-US" dirty="0"/>
+              <a:t>Building internal Division: whether it’s a commercial building, residential building, a school building</a:t>
+            </a:r>
+          </a:p>
+          <a:p>
+            <a:r>
+              <a:rPr lang="en-US" dirty="0"/>
+              <a:t>Roster size: number of workers in the building</a:t>
+            </a:r>
+          </a:p>
+          <a:p>
+            <a:r>
+              <a:rPr lang="en-US" dirty="0"/>
+              <a:t>ADF:( American Dream Fund) We aren’t allowed to spend member dues on political lobby so we ADF which members can contribute to separately from their dues. Number of the building that is contributing to ADF. Often this is referenced as members that are more likely to come to events and be involved, so I was interested in including it</a:t>
+            </a:r>
+          </a:p>
+        </p:txBody>
+      </p:sp>
+      <p:sp>
+        <p:nvSpPr>
+          <p:cNvPr id="4" name="Slide Number Placeholder 3"/>
+          <p:cNvSpPr>
+            <a:spLocks noGrp="1"/>
+          </p:cNvSpPr>
+          <p:nvPr>
+            <p:ph type="sldNum" sz="quarter" idx="5"/>
+          </p:nvPr>
+        </p:nvSpPr>
+        <p:spPr/>
+        <p:txBody>
+          <a:bodyPr/>
+          <a:lstStyle/>
+          <a:p>
+            <a:fld id="{1F552661-5844-44C6-A4AC-7729D18C1296}" type="slidenum">
+              <a:rPr lang="en-US" smtClean="0"/>
+              <a:t>3</a:t>
+            </a:fld>
+            <a:endParaRPr lang="en-US"/>
+          </a:p>
+        </p:txBody>
+      </p:sp>
+    </p:spTree>
+    <p:extLst>
+      <p:ext uri="{BB962C8B-B14F-4D97-AF65-F5344CB8AC3E}">
+        <p14:creationId xmlns:p14="http://schemas.microsoft.com/office/powerpoint/2010/main" val="4179680847"/>
+      </p:ext>
+    </p:extLst>
+  </p:cSld>
+  <p:clrMapOvr>
+    <a:masterClrMapping/>
+  </p:clrMapOvr>
+</p:notes>
+</file>
+
+<file path=ppt/notesSlides/notesSlide10.xml><?xml version="1.0" encoding="utf-8"?>
+<p:notes xmlns:a="http://schemas.openxmlformats.org/drawingml/2006/main" xmlns:r="http://schemas.openxmlformats.org/officeDocument/2006/relationships" xmlns:p="http://schemas.openxmlformats.org/presentationml/2006/main">
+  <p:cSld>
+    <p:spTree>
+      <p:nvGrpSpPr>
+        <p:cNvPr id="1" name=""/>
+        <p:cNvGrpSpPr/>
+        <p:nvPr/>
+      </p:nvGrpSpPr>
+      <p:grpSpPr>
+        <a:xfrm>
+          <a:off x="0" y="0"/>
+          <a:ext cx="0" cy="0"/>
+          <a:chOff x="0" y="0"/>
+          <a:chExt cx="0" cy="0"/>
+        </a:xfrm>
+      </p:grpSpPr>
+      <p:sp>
+        <p:nvSpPr>
+          <p:cNvPr id="2" name="Slide Image Placeholder 1"/>
+          <p:cNvSpPr>
+            <a:spLocks noGrp="1" noRot="1" noChangeAspect="1"/>
+          </p:cNvSpPr>
+          <p:nvPr>
+            <p:ph type="sldImg"/>
+          </p:nvPr>
+        </p:nvSpPr>
+        <p:spPr/>
+      </p:sp>
+      <p:sp>
+        <p:nvSpPr>
+          <p:cNvPr id="3" name="Notes Placeholder 2"/>
+          <p:cNvSpPr>
+            <a:spLocks noGrp="1"/>
+          </p:cNvSpPr>
+          <p:nvPr>
+            <p:ph type="body" idx="1"/>
+          </p:nvPr>
+        </p:nvSpPr>
+        <p:spPr/>
+        <p:txBody>
+          <a:bodyPr/>
+          <a:lstStyle/>
+          <a:p>
+            <a:r>
+              <a:rPr lang="en-US" dirty="0"/>
+              <a:t>If I knew I was going to end up with log regression, its possible I should’ve made my analysis around peoples metrics rather than grouped buildings metrics. It makes more sense to me have attend/didn’t attend for a single person, than the proportion of attendance I have set up atm.</a:t>
+            </a:r>
+          </a:p>
+        </p:txBody>
+      </p:sp>
+      <p:sp>
+        <p:nvSpPr>
+          <p:cNvPr id="4" name="Slide Number Placeholder 3"/>
+          <p:cNvSpPr>
+            <a:spLocks noGrp="1"/>
+          </p:cNvSpPr>
+          <p:nvPr>
+            <p:ph type="sldNum" sz="quarter" idx="5"/>
+          </p:nvPr>
+        </p:nvSpPr>
+        <p:spPr/>
+        <p:txBody>
+          <a:bodyPr/>
+          <a:lstStyle/>
+          <a:p>
+            <a:fld id="{1F552661-5844-44C6-A4AC-7729D18C1296}" type="slidenum">
+              <a:rPr lang="en-US" smtClean="0"/>
+              <a:t>13</a:t>
+            </a:fld>
+            <a:endParaRPr lang="en-US"/>
+          </a:p>
+        </p:txBody>
+      </p:sp>
+    </p:spTree>
+    <p:extLst>
+      <p:ext uri="{BB962C8B-B14F-4D97-AF65-F5344CB8AC3E}">
+        <p14:creationId xmlns:p14="http://schemas.microsoft.com/office/powerpoint/2010/main" val="1933437060"/>
+      </p:ext>
+    </p:extLst>
+  </p:cSld>
+  <p:clrMapOvr>
+    <a:masterClrMapping/>
+  </p:clrMapOvr>
+</p:notes>
+</file>
+
+<file path=ppt/notesSlides/notesSlide2.xml><?xml version="1.0" encoding="utf-8"?>
+<p:notes xmlns:a="http://schemas.openxmlformats.org/drawingml/2006/main" xmlns:r="http://schemas.openxmlformats.org/officeDocument/2006/relationships" xmlns:p="http://schemas.openxmlformats.org/presentationml/2006/main">
+  <p:cSld>
+    <p:spTree>
+      <p:nvGrpSpPr>
+        <p:cNvPr id="1" name=""/>
+        <p:cNvGrpSpPr/>
+        <p:nvPr/>
+      </p:nvGrpSpPr>
+      <p:grpSpPr>
+        <a:xfrm>
+          <a:off x="0" y="0"/>
+          <a:ext cx="0" cy="0"/>
+          <a:chOff x="0" y="0"/>
+          <a:chExt cx="0" cy="0"/>
+        </a:xfrm>
+      </p:grpSpPr>
+      <p:sp>
+        <p:nvSpPr>
+          <p:cNvPr id="2" name="Slide Image Placeholder 1"/>
+          <p:cNvSpPr>
+            <a:spLocks noGrp="1" noRot="1" noChangeAspect="1"/>
+          </p:cNvSpPr>
+          <p:nvPr>
+            <p:ph type="sldImg"/>
+          </p:nvPr>
+        </p:nvSpPr>
+        <p:spPr/>
+      </p:sp>
+      <p:sp>
+        <p:nvSpPr>
+          <p:cNvPr id="3" name="Notes Placeholder 2"/>
+          <p:cNvSpPr>
+            <a:spLocks noGrp="1"/>
+          </p:cNvSpPr>
+          <p:nvPr>
+            <p:ph type="body" idx="1"/>
+          </p:nvPr>
+        </p:nvSpPr>
+        <p:spPr/>
+        <p:txBody>
+          <a:bodyPr/>
+          <a:lstStyle/>
+          <a:p>
+            <a:endParaRPr lang="en-US" dirty="0"/>
+          </a:p>
+        </p:txBody>
+      </p:sp>
+      <p:sp>
+        <p:nvSpPr>
+          <p:cNvPr id="4" name="Slide Number Placeholder 3"/>
+          <p:cNvSpPr>
+            <a:spLocks noGrp="1"/>
+          </p:cNvSpPr>
+          <p:nvPr>
+            <p:ph type="sldNum" sz="quarter" idx="5"/>
+          </p:nvPr>
+        </p:nvSpPr>
+        <p:spPr/>
+        <p:txBody>
+          <a:bodyPr/>
+          <a:lstStyle/>
+          <a:p>
+            <a:fld id="{1F552661-5844-44C6-A4AC-7729D18C1296}" type="slidenum">
+              <a:rPr lang="en-US" smtClean="0"/>
+              <a:t>4</a:t>
+            </a:fld>
+            <a:endParaRPr lang="en-US"/>
+          </a:p>
+        </p:txBody>
+      </p:sp>
+    </p:spTree>
+    <p:extLst>
+      <p:ext uri="{BB962C8B-B14F-4D97-AF65-F5344CB8AC3E}">
+        <p14:creationId xmlns:p14="http://schemas.microsoft.com/office/powerpoint/2010/main" val="4085162319"/>
+      </p:ext>
+    </p:extLst>
+  </p:cSld>
+  <p:clrMapOvr>
+    <a:masterClrMapping/>
+  </p:clrMapOvr>
+</p:notes>
+</file>
+
+<file path=ppt/notesSlides/notesSlide3.xml><?xml version="1.0" encoding="utf-8"?>
+<p:notes xmlns:a="http://schemas.openxmlformats.org/drawingml/2006/main" xmlns:r="http://schemas.openxmlformats.org/officeDocument/2006/relationships" xmlns:p="http://schemas.openxmlformats.org/presentationml/2006/main">
+  <p:cSld>
+    <p:spTree>
+      <p:nvGrpSpPr>
+        <p:cNvPr id="1" name=""/>
+        <p:cNvGrpSpPr/>
+        <p:nvPr/>
+      </p:nvGrpSpPr>
+      <p:grpSpPr>
+        <a:xfrm>
+          <a:off x="0" y="0"/>
+          <a:ext cx="0" cy="0"/>
+          <a:chOff x="0" y="0"/>
+          <a:chExt cx="0" cy="0"/>
+        </a:xfrm>
+      </p:grpSpPr>
+      <p:sp>
+        <p:nvSpPr>
+          <p:cNvPr id="2" name="Slide Image Placeholder 1"/>
+          <p:cNvSpPr>
+            <a:spLocks noGrp="1" noRot="1" noChangeAspect="1"/>
+          </p:cNvSpPr>
+          <p:nvPr>
+            <p:ph type="sldImg"/>
+          </p:nvPr>
+        </p:nvSpPr>
+        <p:spPr/>
+      </p:sp>
+      <p:sp>
+        <p:nvSpPr>
+          <p:cNvPr id="3" name="Notes Placeholder 2"/>
+          <p:cNvSpPr>
+            <a:spLocks noGrp="1"/>
+          </p:cNvSpPr>
+          <p:nvPr>
+            <p:ph type="body" idx="1"/>
+          </p:nvPr>
+        </p:nvSpPr>
+        <p:spPr/>
+        <p:txBody>
+          <a:bodyPr/>
+          <a:lstStyle/>
+          <a:p>
+            <a:r>
+              <a:rPr lang="en-US" dirty="0"/>
+              <a:t>Median: half the buildings under 10 members, </a:t>
+            </a:r>
+          </a:p>
+        </p:txBody>
+      </p:sp>
+      <p:sp>
+        <p:nvSpPr>
+          <p:cNvPr id="4" name="Slide Number Placeholder 3"/>
+          <p:cNvSpPr>
+            <a:spLocks noGrp="1"/>
+          </p:cNvSpPr>
+          <p:nvPr>
+            <p:ph type="sldNum" sz="quarter" idx="5"/>
+          </p:nvPr>
+        </p:nvSpPr>
+        <p:spPr/>
+        <p:txBody>
+          <a:bodyPr/>
+          <a:lstStyle/>
+          <a:p>
+            <a:fld id="{1F552661-5844-44C6-A4AC-7729D18C1296}" type="slidenum">
+              <a:rPr lang="en-US" smtClean="0"/>
+              <a:t>5</a:t>
+            </a:fld>
+            <a:endParaRPr lang="en-US"/>
+          </a:p>
+        </p:txBody>
+      </p:sp>
+    </p:spTree>
+    <p:extLst>
+      <p:ext uri="{BB962C8B-B14F-4D97-AF65-F5344CB8AC3E}">
+        <p14:creationId xmlns:p14="http://schemas.microsoft.com/office/powerpoint/2010/main" val="1393714650"/>
+      </p:ext>
+    </p:extLst>
+  </p:cSld>
+  <p:clrMapOvr>
+    <a:masterClrMapping/>
+  </p:clrMapOvr>
+</p:notes>
+</file>
+
+<file path=ppt/notesSlides/notesSlide4.xml><?xml version="1.0" encoding="utf-8"?>
+<p:notes xmlns:a="http://schemas.openxmlformats.org/drawingml/2006/main" xmlns:r="http://schemas.openxmlformats.org/officeDocument/2006/relationships" xmlns:p="http://schemas.openxmlformats.org/presentationml/2006/main">
+  <p:cSld>
+    <p:spTree>
+      <p:nvGrpSpPr>
+        <p:cNvPr id="1" name=""/>
+        <p:cNvGrpSpPr/>
+        <p:nvPr/>
+      </p:nvGrpSpPr>
+      <p:grpSpPr>
+        <a:xfrm>
+          <a:off x="0" y="0"/>
+          <a:ext cx="0" cy="0"/>
+          <a:chOff x="0" y="0"/>
+          <a:chExt cx="0" cy="0"/>
+        </a:xfrm>
+      </p:grpSpPr>
+      <p:sp>
+        <p:nvSpPr>
+          <p:cNvPr id="2" name="Slide Image Placeholder 1"/>
+          <p:cNvSpPr>
+            <a:spLocks noGrp="1" noRot="1" noChangeAspect="1"/>
+          </p:cNvSpPr>
+          <p:nvPr>
+            <p:ph type="sldImg"/>
+          </p:nvPr>
+        </p:nvSpPr>
+        <p:spPr/>
+      </p:sp>
+      <p:sp>
+        <p:nvSpPr>
+          <p:cNvPr id="3" name="Notes Placeholder 2"/>
+          <p:cNvSpPr>
+            <a:spLocks noGrp="1"/>
+          </p:cNvSpPr>
+          <p:nvPr>
+            <p:ph type="body" idx="1"/>
+          </p:nvPr>
+        </p:nvSpPr>
+        <p:spPr/>
+        <p:txBody>
+          <a:bodyPr/>
+          <a:lstStyle/>
+          <a:p>
+            <a:r>
+              <a:rPr lang="en-US" dirty="0"/>
+              <a:t>I was struggling with ways to combat the small counts and right skewness of all my data. I felt creating ADFPercentage (dividing ADF count by roster size) was a more honest view of the proportion of contributions. Vaguely normally distributed, center on the lower end at around 1/3 of the site is contributing into the political fund</a:t>
+            </a:r>
+          </a:p>
+        </p:txBody>
+      </p:sp>
+      <p:sp>
+        <p:nvSpPr>
+          <p:cNvPr id="4" name="Slide Number Placeholder 3"/>
+          <p:cNvSpPr>
+            <a:spLocks noGrp="1"/>
+          </p:cNvSpPr>
+          <p:nvPr>
+            <p:ph type="sldNum" sz="quarter" idx="5"/>
+          </p:nvPr>
+        </p:nvSpPr>
+        <p:spPr/>
+        <p:txBody>
+          <a:bodyPr/>
+          <a:lstStyle/>
+          <a:p>
+            <a:fld id="{1F552661-5844-44C6-A4AC-7729D18C1296}" type="slidenum">
+              <a:rPr lang="en-US" smtClean="0"/>
+              <a:t>6</a:t>
+            </a:fld>
+            <a:endParaRPr lang="en-US"/>
+          </a:p>
+        </p:txBody>
+      </p:sp>
+    </p:spTree>
+    <p:extLst>
+      <p:ext uri="{BB962C8B-B14F-4D97-AF65-F5344CB8AC3E}">
+        <p14:creationId xmlns:p14="http://schemas.microsoft.com/office/powerpoint/2010/main" val="3005466176"/>
+      </p:ext>
+    </p:extLst>
+  </p:cSld>
+  <p:clrMapOvr>
+    <a:masterClrMapping/>
+  </p:clrMapOvr>
+</p:notes>
+</file>
+
+<file path=ppt/notesSlides/notesSlide5.xml><?xml version="1.0" encoding="utf-8"?>
+<p:notes xmlns:a="http://schemas.openxmlformats.org/drawingml/2006/main" xmlns:r="http://schemas.openxmlformats.org/officeDocument/2006/relationships" xmlns:p="http://schemas.openxmlformats.org/presentationml/2006/main">
+  <p:cSld>
+    <p:spTree>
+      <p:nvGrpSpPr>
+        <p:cNvPr id="1" name=""/>
+        <p:cNvGrpSpPr/>
+        <p:nvPr/>
+      </p:nvGrpSpPr>
+      <p:grpSpPr>
+        <a:xfrm>
+          <a:off x="0" y="0"/>
+          <a:ext cx="0" cy="0"/>
+          <a:chOff x="0" y="0"/>
+          <a:chExt cx="0" cy="0"/>
+        </a:xfrm>
+      </p:grpSpPr>
+      <p:sp>
+        <p:nvSpPr>
+          <p:cNvPr id="2" name="Slide Image Placeholder 1"/>
+          <p:cNvSpPr>
+            <a:spLocks noGrp="1" noRot="1" noChangeAspect="1"/>
+          </p:cNvSpPr>
+          <p:nvPr>
+            <p:ph type="sldImg"/>
+          </p:nvPr>
+        </p:nvSpPr>
+        <p:spPr/>
+      </p:sp>
+      <p:sp>
+        <p:nvSpPr>
+          <p:cNvPr id="3" name="Notes Placeholder 2"/>
+          <p:cNvSpPr>
+            <a:spLocks noGrp="1"/>
+          </p:cNvSpPr>
+          <p:nvPr>
+            <p:ph type="body" idx="1"/>
+          </p:nvPr>
+        </p:nvSpPr>
+        <p:spPr/>
+        <p:txBody>
+          <a:bodyPr/>
+          <a:lstStyle/>
+          <a:p>
+            <a:r>
+              <a:rPr lang="en-US" dirty="0"/>
+              <a:t>Schools: smaller member count, buildings are farther apart, this bump at 50% if confusing to me, </a:t>
+            </a:r>
+            <a:r>
+              <a:rPr lang="en-US" dirty="0" err="1"/>
+              <a:t>im</a:t>
+            </a:r>
+            <a:r>
+              <a:rPr lang="en-US" dirty="0"/>
+              <a:t> thinking it could a day/night shift thing where only half the shift can come to a meeting at a time? </a:t>
+            </a:r>
+          </a:p>
+          <a:p>
+            <a:r>
+              <a:rPr lang="en-US" dirty="0"/>
+              <a:t>Residential: the grouped 100% are mostly 1 doorman buildings, but surprised to see lower turnout for the other buildings</a:t>
+            </a:r>
+          </a:p>
+          <a:p>
+            <a:r>
+              <a:rPr lang="en-US" dirty="0"/>
+              <a:t>Commercial: incredibly broad spread, glad to see higher turnout. A lot of our union reps come from the jobs, so I know the commercial reps pride themselves on their good relationship w members and getting good turnout often from buildings they used to work at. they have the highest turnout numbers, allowing for </a:t>
+            </a:r>
+            <a:r>
+              <a:rPr lang="en-US" dirty="0" err="1"/>
+              <a:t>broaders</a:t>
+            </a:r>
+            <a:r>
+              <a:rPr lang="en-US" dirty="0"/>
+              <a:t> percentages when dealing with full human as numbers?</a:t>
+            </a:r>
+          </a:p>
+        </p:txBody>
+      </p:sp>
+      <p:sp>
+        <p:nvSpPr>
+          <p:cNvPr id="4" name="Slide Number Placeholder 3"/>
+          <p:cNvSpPr>
+            <a:spLocks noGrp="1"/>
+          </p:cNvSpPr>
+          <p:nvPr>
+            <p:ph type="sldNum" sz="quarter" idx="5"/>
+          </p:nvPr>
+        </p:nvSpPr>
+        <p:spPr/>
+        <p:txBody>
+          <a:bodyPr/>
+          <a:lstStyle/>
+          <a:p>
+            <a:fld id="{1F552661-5844-44C6-A4AC-7729D18C1296}" type="slidenum">
+              <a:rPr lang="en-US" smtClean="0"/>
+              <a:t>7</a:t>
+            </a:fld>
+            <a:endParaRPr lang="en-US"/>
+          </a:p>
+        </p:txBody>
+      </p:sp>
+    </p:spTree>
+    <p:extLst>
+      <p:ext uri="{BB962C8B-B14F-4D97-AF65-F5344CB8AC3E}">
+        <p14:creationId xmlns:p14="http://schemas.microsoft.com/office/powerpoint/2010/main" val="3644790365"/>
+      </p:ext>
+    </p:extLst>
+  </p:cSld>
+  <p:clrMapOvr>
+    <a:masterClrMapping/>
+  </p:clrMapOvr>
+</p:notes>
+</file>
+
+<file path=ppt/notesSlides/notesSlide6.xml><?xml version="1.0" encoding="utf-8"?>
+<p:notes xmlns:a="http://schemas.openxmlformats.org/drawingml/2006/main" xmlns:r="http://schemas.openxmlformats.org/officeDocument/2006/relationships" xmlns:p="http://schemas.openxmlformats.org/presentationml/2006/main">
+  <p:cSld>
+    <p:spTree>
+      <p:nvGrpSpPr>
+        <p:cNvPr id="1" name=""/>
+        <p:cNvGrpSpPr/>
+        <p:nvPr/>
+      </p:nvGrpSpPr>
+      <p:grpSpPr>
+        <a:xfrm>
+          <a:off x="0" y="0"/>
+          <a:ext cx="0" cy="0"/>
+          <a:chOff x="0" y="0"/>
+          <a:chExt cx="0" cy="0"/>
+        </a:xfrm>
+      </p:grpSpPr>
+      <p:sp>
+        <p:nvSpPr>
+          <p:cNvPr id="2" name="Slide Image Placeholder 1"/>
+          <p:cNvSpPr>
+            <a:spLocks noGrp="1" noRot="1" noChangeAspect="1"/>
+          </p:cNvSpPr>
+          <p:nvPr>
+            <p:ph type="sldImg"/>
+          </p:nvPr>
+        </p:nvSpPr>
+        <p:spPr/>
+      </p:sp>
+      <p:sp>
+        <p:nvSpPr>
+          <p:cNvPr id="3" name="Notes Placeholder 2"/>
+          <p:cNvSpPr>
+            <a:spLocks noGrp="1"/>
+          </p:cNvSpPr>
+          <p:nvPr>
+            <p:ph type="body" idx="1"/>
+          </p:nvPr>
+        </p:nvSpPr>
+        <p:spPr/>
+        <p:txBody>
+          <a:bodyPr/>
+          <a:lstStyle/>
+          <a:p>
+            <a:r>
+              <a:rPr lang="en-US" dirty="0"/>
+              <a:t>Our field reps often talk about ADF being a good metric for member union activity: “if they’re paying into political fund, they're more likely to be politically and union engaged, and more likely to go to events, including worksite meetings”.</a:t>
+            </a:r>
+          </a:p>
+          <a:p>
+            <a:r>
+              <a:rPr lang="en-US" dirty="0"/>
+              <a:t>I was surprised that to </a:t>
+            </a:r>
+            <a:r>
+              <a:rPr lang="en-US" dirty="0" err="1"/>
+              <a:t>methis</a:t>
+            </a:r>
+            <a:r>
+              <a:rPr lang="en-US" dirty="0"/>
+              <a:t> isn’t really showing that, </a:t>
+            </a:r>
+            <a:r>
+              <a:rPr lang="en-US" dirty="0" err="1"/>
+              <a:t>im</a:t>
+            </a:r>
+            <a:r>
+              <a:rPr lang="en-US" dirty="0"/>
+              <a:t> not sure </a:t>
+            </a:r>
+            <a:r>
+              <a:rPr lang="en-US" dirty="0" err="1"/>
+              <a:t>theres</a:t>
+            </a:r>
+            <a:r>
+              <a:rPr lang="en-US" dirty="0"/>
+              <a:t> a clear pattern here for worksite meetings that we were hoping for</a:t>
+            </a:r>
+          </a:p>
+        </p:txBody>
+      </p:sp>
+      <p:sp>
+        <p:nvSpPr>
+          <p:cNvPr id="4" name="Slide Number Placeholder 3"/>
+          <p:cNvSpPr>
+            <a:spLocks noGrp="1"/>
+          </p:cNvSpPr>
+          <p:nvPr>
+            <p:ph type="sldNum" sz="quarter" idx="5"/>
+          </p:nvPr>
+        </p:nvSpPr>
+        <p:spPr/>
+        <p:txBody>
+          <a:bodyPr/>
+          <a:lstStyle/>
+          <a:p>
+            <a:fld id="{1F552661-5844-44C6-A4AC-7729D18C1296}" type="slidenum">
+              <a:rPr lang="en-US" smtClean="0"/>
+              <a:t>8</a:t>
+            </a:fld>
+            <a:endParaRPr lang="en-US"/>
+          </a:p>
+        </p:txBody>
+      </p:sp>
+    </p:spTree>
+    <p:extLst>
+      <p:ext uri="{BB962C8B-B14F-4D97-AF65-F5344CB8AC3E}">
+        <p14:creationId xmlns:p14="http://schemas.microsoft.com/office/powerpoint/2010/main" val="3442449896"/>
+      </p:ext>
+    </p:extLst>
+  </p:cSld>
+  <p:clrMapOvr>
+    <a:masterClrMapping/>
+  </p:clrMapOvr>
+</p:notes>
+</file>
+
+<file path=ppt/notesSlides/notesSlide7.xml><?xml version="1.0" encoding="utf-8"?>
+<p:notes xmlns:a="http://schemas.openxmlformats.org/drawingml/2006/main" xmlns:r="http://schemas.openxmlformats.org/officeDocument/2006/relationships" xmlns:p="http://schemas.openxmlformats.org/presentationml/2006/main">
+  <p:cSld>
+    <p:spTree>
+      <p:nvGrpSpPr>
+        <p:cNvPr id="1" name=""/>
+        <p:cNvGrpSpPr/>
+        <p:nvPr/>
+      </p:nvGrpSpPr>
+      <p:grpSpPr>
+        <a:xfrm>
+          <a:off x="0" y="0"/>
+          <a:ext cx="0" cy="0"/>
+          <a:chOff x="0" y="0"/>
+          <a:chExt cx="0" cy="0"/>
+        </a:xfrm>
+      </p:grpSpPr>
+      <p:sp>
+        <p:nvSpPr>
+          <p:cNvPr id="2" name="Slide Image Placeholder 1"/>
+          <p:cNvSpPr>
+            <a:spLocks noGrp="1" noRot="1" noChangeAspect="1"/>
+          </p:cNvSpPr>
+          <p:nvPr>
+            <p:ph type="sldImg"/>
+          </p:nvPr>
+        </p:nvSpPr>
+        <p:spPr/>
+      </p:sp>
+      <p:sp>
+        <p:nvSpPr>
+          <p:cNvPr id="3" name="Notes Placeholder 2"/>
+          <p:cNvSpPr>
+            <a:spLocks noGrp="1"/>
+          </p:cNvSpPr>
+          <p:nvPr>
+            <p:ph type="body" idx="1"/>
+          </p:nvPr>
+        </p:nvSpPr>
+        <p:spPr/>
+        <p:txBody>
+          <a:bodyPr/>
+          <a:lstStyle/>
+          <a:p>
+            <a:r>
+              <a:rPr lang="en-US" dirty="0"/>
+              <a:t>I tried a linear model using the turnout counts and ADF counts. It had heavy tails, distribution is not normal, very skewed. Also My residuals seems to be increasing and are not constant. Unfortunately, we learned this is probably not a good fit for linear models?</a:t>
+            </a:r>
+          </a:p>
+        </p:txBody>
+      </p:sp>
+      <p:sp>
+        <p:nvSpPr>
+          <p:cNvPr id="4" name="Slide Number Placeholder 3"/>
+          <p:cNvSpPr>
+            <a:spLocks noGrp="1"/>
+          </p:cNvSpPr>
+          <p:nvPr>
+            <p:ph type="sldNum" sz="quarter" idx="5"/>
+          </p:nvPr>
+        </p:nvSpPr>
+        <p:spPr/>
+        <p:txBody>
+          <a:bodyPr/>
+          <a:lstStyle/>
+          <a:p>
+            <a:fld id="{1F552661-5844-44C6-A4AC-7729D18C1296}" type="slidenum">
+              <a:rPr lang="en-US" smtClean="0"/>
+              <a:t>9</a:t>
+            </a:fld>
+            <a:endParaRPr lang="en-US"/>
+          </a:p>
+        </p:txBody>
+      </p:sp>
+    </p:spTree>
+    <p:extLst>
+      <p:ext uri="{BB962C8B-B14F-4D97-AF65-F5344CB8AC3E}">
+        <p14:creationId xmlns:p14="http://schemas.microsoft.com/office/powerpoint/2010/main" val="1059537011"/>
+      </p:ext>
+    </p:extLst>
+  </p:cSld>
+  <p:clrMapOvr>
+    <a:masterClrMapping/>
+  </p:clrMapOvr>
+</p:notes>
+</file>
+
+<file path=ppt/notesSlides/notesSlide8.xml><?xml version="1.0" encoding="utf-8"?>
+<p:notes xmlns:a="http://schemas.openxmlformats.org/drawingml/2006/main" xmlns:r="http://schemas.openxmlformats.org/officeDocument/2006/relationships" xmlns:p="http://schemas.openxmlformats.org/presentationml/2006/main">
+  <p:cSld>
+    <p:spTree>
+      <p:nvGrpSpPr>
+        <p:cNvPr id="1" name=""/>
+        <p:cNvGrpSpPr/>
+        <p:nvPr/>
+      </p:nvGrpSpPr>
+      <p:grpSpPr>
+        <a:xfrm>
+          <a:off x="0" y="0"/>
+          <a:ext cx="0" cy="0"/>
+          <a:chOff x="0" y="0"/>
+          <a:chExt cx="0" cy="0"/>
+        </a:xfrm>
+      </p:grpSpPr>
+      <p:sp>
+        <p:nvSpPr>
+          <p:cNvPr id="2" name="Slide Image Placeholder 1"/>
+          <p:cNvSpPr>
+            <a:spLocks noGrp="1" noRot="1" noChangeAspect="1"/>
+          </p:cNvSpPr>
+          <p:nvPr>
+            <p:ph type="sldImg"/>
+          </p:nvPr>
+        </p:nvSpPr>
+        <p:spPr/>
+      </p:sp>
+      <p:sp>
+        <p:nvSpPr>
+          <p:cNvPr id="3" name="Notes Placeholder 2"/>
+          <p:cNvSpPr>
+            <a:spLocks noGrp="1"/>
+          </p:cNvSpPr>
+          <p:nvPr>
+            <p:ph type="body" idx="1"/>
+          </p:nvPr>
+        </p:nvSpPr>
+        <p:spPr/>
+        <p:txBody>
+          <a:bodyPr/>
+          <a:lstStyle/>
+          <a:p>
+            <a:r>
+              <a:rPr lang="en-US" dirty="0"/>
+              <a:t>Using percentage of turnout, turnout count divided by member count at the building, to get a proportion, bounded within 0 to 1.  I also found it needed to include the turnout count as a weight in the model, </a:t>
+            </a:r>
+            <a:r>
+              <a:rPr lang="en-US" dirty="0" err="1"/>
+              <a:t>bc</a:t>
+            </a:r>
+            <a:r>
+              <a:rPr lang="en-US" dirty="0"/>
+              <a:t> my data is a bit unbalanced.</a:t>
+            </a:r>
+          </a:p>
+          <a:p>
+            <a:endParaRPr lang="en-US" dirty="0"/>
+          </a:p>
+          <a:p>
+            <a:r>
+              <a:rPr lang="en-US" dirty="0"/>
+              <a:t>I found the logistic regression interpretation a bit confusing, </a:t>
+            </a:r>
+            <a:r>
+              <a:rPr lang="en-US" dirty="0" err="1"/>
+              <a:t>Im</a:t>
+            </a:r>
+            <a:r>
+              <a:rPr lang="en-US" dirty="0"/>
+              <a:t> taking the exponential of the log odds to turn them into the odds ratio:</a:t>
+            </a:r>
+          </a:p>
+          <a:p>
+            <a:pPr marL="0" marR="0" lvl="0" indent="0" algn="l" defTabSz="914400" rtl="0" eaLnBrk="1" fontAlgn="auto" latinLnBrk="0" hangingPunct="1">
+              <a:lnSpc>
+                <a:spcPct val="100000"/>
+              </a:lnSpc>
+              <a:spcBef>
+                <a:spcPts val="0"/>
+              </a:spcBef>
+              <a:spcAft>
+                <a:spcPts val="0"/>
+              </a:spcAft>
+              <a:buClrTx/>
+              <a:buSzTx/>
+              <a:buFontTx/>
+              <a:buNone/>
+              <a:tabLst/>
+              <a:defRPr/>
+            </a:pPr>
+            <a:r>
+              <a:rPr lang="en-US" dirty="0"/>
+              <a:t>but these are my interpretation (while holding all other variables constant):</a:t>
+            </a:r>
+          </a:p>
+          <a:p>
+            <a:endParaRPr lang="en-US" dirty="0"/>
+          </a:p>
+          <a:p>
+            <a:r>
+              <a:rPr lang="en-US" dirty="0" err="1"/>
+              <a:t>im</a:t>
+            </a:r>
+            <a:r>
+              <a:rPr lang="en-US" dirty="0"/>
+              <a:t> not sure interpreting the intercept is that useful, but assuming hypothetical </a:t>
+            </a:r>
+            <a:r>
+              <a:rPr lang="en-US" dirty="0" err="1"/>
+              <a:t>membercount</a:t>
+            </a:r>
+            <a:r>
+              <a:rPr lang="en-US" dirty="0"/>
+              <a:t> is 0 and </a:t>
+            </a:r>
+            <a:r>
+              <a:rPr lang="en-US" dirty="0" err="1"/>
+              <a:t>adf</a:t>
+            </a:r>
+            <a:r>
+              <a:rPr lang="en-US" dirty="0"/>
+              <a:t> count is 0 and a </a:t>
+            </a:r>
+            <a:r>
+              <a:rPr lang="en-US" dirty="0" err="1"/>
+              <a:t>ny</a:t>
+            </a:r>
+            <a:r>
+              <a:rPr lang="en-US" dirty="0"/>
+              <a:t> commercial building, we’re expecting the probability of turnout is around 78%</a:t>
+            </a:r>
+          </a:p>
+          <a:p>
+            <a:r>
+              <a:rPr lang="en-US" dirty="0"/>
+              <a:t>NY Residential buildings odds ratio of 0.49, suggests a 51% lower odds of turnout than a NY Commercial buildings </a:t>
+            </a:r>
+          </a:p>
+          <a:p>
+            <a:r>
+              <a:rPr lang="en-US" dirty="0"/>
+              <a:t>with the </a:t>
+            </a:r>
+            <a:r>
+              <a:rPr lang="en-US" dirty="0" err="1"/>
+              <a:t>membercount</a:t>
+            </a:r>
+            <a:r>
+              <a:rPr lang="en-US" dirty="0"/>
+              <a:t> odds ratio with 0.99, a increase of 1 more member at the buildings, would suggests a 1% lower odds of turnout </a:t>
+            </a:r>
+          </a:p>
+          <a:p>
+            <a:r>
+              <a:rPr lang="en-US" dirty="0"/>
+              <a:t>similarly with </a:t>
+            </a:r>
+            <a:r>
+              <a:rPr lang="en-US" dirty="0" err="1"/>
+              <a:t>ADFCount</a:t>
+            </a:r>
+            <a:r>
+              <a:rPr lang="en-US" dirty="0"/>
+              <a:t> odds ratio being 0.99, a increase of 1 more person signing up for ADF at the buildings, would suggests a 1% lower odds of turnout</a:t>
+            </a:r>
+          </a:p>
+        </p:txBody>
+      </p:sp>
+      <p:sp>
+        <p:nvSpPr>
+          <p:cNvPr id="4" name="Slide Number Placeholder 3"/>
+          <p:cNvSpPr>
+            <a:spLocks noGrp="1"/>
+          </p:cNvSpPr>
+          <p:nvPr>
+            <p:ph type="sldNum" sz="quarter" idx="5"/>
+          </p:nvPr>
+        </p:nvSpPr>
+        <p:spPr/>
+        <p:txBody>
+          <a:bodyPr/>
+          <a:lstStyle/>
+          <a:p>
+            <a:fld id="{1F552661-5844-44C6-A4AC-7729D18C1296}" type="slidenum">
+              <a:rPr lang="en-US" smtClean="0"/>
+              <a:t>10</a:t>
+            </a:fld>
+            <a:endParaRPr lang="en-US"/>
+          </a:p>
+        </p:txBody>
+      </p:sp>
+    </p:spTree>
+    <p:extLst>
+      <p:ext uri="{BB962C8B-B14F-4D97-AF65-F5344CB8AC3E}">
+        <p14:creationId xmlns:p14="http://schemas.microsoft.com/office/powerpoint/2010/main" val="479305668"/>
+      </p:ext>
+    </p:extLst>
+  </p:cSld>
+  <p:clrMapOvr>
+    <a:masterClrMapping/>
+  </p:clrMapOvr>
+</p:notes>
+</file>
+
+<file path=ppt/notesSlides/notesSlide9.xml><?xml version="1.0" encoding="utf-8"?>
+<p:notes xmlns:a="http://schemas.openxmlformats.org/drawingml/2006/main" xmlns:r="http://schemas.openxmlformats.org/officeDocument/2006/relationships" xmlns:p="http://schemas.openxmlformats.org/presentationml/2006/main">
+  <p:cSld>
+    <p:spTree>
+      <p:nvGrpSpPr>
+        <p:cNvPr id="1" name=""/>
+        <p:cNvGrpSpPr/>
+        <p:nvPr/>
+      </p:nvGrpSpPr>
+      <p:grpSpPr>
+        <a:xfrm>
+          <a:off x="0" y="0"/>
+          <a:ext cx="0" cy="0"/>
+          <a:chOff x="0" y="0"/>
+          <a:chExt cx="0" cy="0"/>
+        </a:xfrm>
+      </p:grpSpPr>
+      <p:sp>
+        <p:nvSpPr>
+          <p:cNvPr id="2" name="Slide Image Placeholder 1"/>
+          <p:cNvSpPr>
+            <a:spLocks noGrp="1" noRot="1" noChangeAspect="1"/>
+          </p:cNvSpPr>
+          <p:nvPr>
+            <p:ph type="sldImg"/>
+          </p:nvPr>
+        </p:nvSpPr>
+        <p:spPr/>
+      </p:sp>
+      <p:sp>
+        <p:nvSpPr>
+          <p:cNvPr id="3" name="Notes Placeholder 2"/>
+          <p:cNvSpPr>
+            <a:spLocks noGrp="1"/>
+          </p:cNvSpPr>
+          <p:nvPr>
+            <p:ph type="body" idx="1"/>
+          </p:nvPr>
+        </p:nvSpPr>
+        <p:spPr/>
+        <p:txBody>
+          <a:bodyPr/>
+          <a:lstStyle/>
+          <a:p>
+            <a:pPr marL="0" marR="0" lvl="0" indent="0" algn="l" defTabSz="914400" rtl="0" eaLnBrk="1" fontAlgn="auto" latinLnBrk="0" hangingPunct="1">
+              <a:lnSpc>
+                <a:spcPct val="100000"/>
+              </a:lnSpc>
+              <a:spcBef>
+                <a:spcPts val="0"/>
+              </a:spcBef>
+              <a:spcAft>
+                <a:spcPts val="0"/>
+              </a:spcAft>
+              <a:buClrTx/>
+              <a:buSzTx/>
+              <a:buFontTx/>
+              <a:buNone/>
+              <a:tabLst/>
+              <a:defRPr/>
+            </a:pPr>
+            <a:r>
+              <a:rPr lang="en-US" dirty="0"/>
+              <a:t>chi-square statistic (χ²), which is used to assess the significance of the model, to get a chi squared from log, you use the null deviance – the residual deviance. </a:t>
+            </a:r>
+            <a:r>
+              <a:rPr lang="en-US" dirty="0" err="1"/>
+              <a:t>df</a:t>
+            </a:r>
+            <a:r>
+              <a:rPr lang="en-US" dirty="0"/>
+              <a:t> of freedom 4. </a:t>
+            </a:r>
+          </a:p>
+          <a:p>
+            <a:pPr marL="0" marR="0" lvl="0" indent="0" algn="l" defTabSz="914400" rtl="0" eaLnBrk="1" fontAlgn="auto" latinLnBrk="0" hangingPunct="1">
+              <a:lnSpc>
+                <a:spcPct val="100000"/>
+              </a:lnSpc>
+              <a:spcBef>
+                <a:spcPts val="0"/>
+              </a:spcBef>
+              <a:spcAft>
+                <a:spcPts val="0"/>
+              </a:spcAft>
+              <a:buClrTx/>
+              <a:buSzTx/>
+              <a:buFontTx/>
+              <a:buNone/>
+              <a:tabLst/>
+              <a:defRPr/>
+            </a:pPr>
+            <a:endParaRPr lang="en-US" dirty="0"/>
+          </a:p>
+          <a:p>
+            <a:pPr marL="0" marR="0" lvl="0" indent="0" algn="l" defTabSz="914400" rtl="0" eaLnBrk="1" fontAlgn="auto" latinLnBrk="0" hangingPunct="1">
+              <a:lnSpc>
+                <a:spcPct val="100000"/>
+              </a:lnSpc>
+              <a:spcBef>
+                <a:spcPts val="0"/>
+              </a:spcBef>
+              <a:spcAft>
+                <a:spcPts val="0"/>
+              </a:spcAft>
+              <a:buClrTx/>
+              <a:buSzTx/>
+              <a:buFontTx/>
+              <a:buNone/>
+              <a:tabLst/>
+              <a:defRPr/>
+            </a:pPr>
+            <a:endParaRPr lang="en-US" dirty="0"/>
+          </a:p>
+          <a:p>
+            <a:endParaRPr lang="en-US" dirty="0"/>
+          </a:p>
+        </p:txBody>
+      </p:sp>
+      <p:sp>
+        <p:nvSpPr>
+          <p:cNvPr id="4" name="Slide Number Placeholder 3"/>
+          <p:cNvSpPr>
+            <a:spLocks noGrp="1"/>
+          </p:cNvSpPr>
+          <p:nvPr>
+            <p:ph type="sldNum" sz="quarter" idx="5"/>
+          </p:nvPr>
+        </p:nvSpPr>
+        <p:spPr/>
+        <p:txBody>
+          <a:bodyPr/>
+          <a:lstStyle/>
+          <a:p>
+            <a:fld id="{1F552661-5844-44C6-A4AC-7729D18C1296}" type="slidenum">
+              <a:rPr lang="en-US" smtClean="0"/>
+              <a:t>11</a:t>
+            </a:fld>
+            <a:endParaRPr lang="en-US"/>
+          </a:p>
+        </p:txBody>
+      </p:sp>
+    </p:spTree>
+    <p:extLst>
+      <p:ext uri="{BB962C8B-B14F-4D97-AF65-F5344CB8AC3E}">
+        <p14:creationId xmlns:p14="http://schemas.microsoft.com/office/powerpoint/2010/main" val="2401459788"/>
+      </p:ext>
+    </p:extLst>
+  </p:cSld>
+  <p:clrMapOvr>
+    <a:masterClrMapping/>
+  </p:clrMapOvr>
+</p:notes>
 </file>
 
 <file path=ppt/slideLayouts/slideLayout1.xml><?xml version="1.0" encoding="utf-8"?>
@@ -260,7 +1757,7 @@
           <a:p>
             <a:fld id="{F42D62F9-1668-48AF-90B4-2E35AEAA713C}" type="datetimeFigureOut">
               <a:rPr lang="en-US" smtClean="0"/>
-              <a:t>12/8/2024</a:t>
+              <a:t>12/11/2024</a:t>
             </a:fld>
             <a:endParaRPr lang="en-US"/>
           </a:p>
@@ -458,7 +1955,7 @@
           <a:p>
             <a:fld id="{F42D62F9-1668-48AF-90B4-2E35AEAA713C}" type="datetimeFigureOut">
               <a:rPr lang="en-US" smtClean="0"/>
-              <a:t>12/8/2024</a:t>
+              <a:t>12/11/2024</a:t>
             </a:fld>
             <a:endParaRPr lang="en-US"/>
           </a:p>
@@ -666,7 +2163,7 @@
           <a:p>
             <a:fld id="{F42D62F9-1668-48AF-90B4-2E35AEAA713C}" type="datetimeFigureOut">
               <a:rPr lang="en-US" smtClean="0"/>
-              <a:t>12/8/2024</a:t>
+              <a:t>12/11/2024</a:t>
             </a:fld>
             <a:endParaRPr lang="en-US"/>
           </a:p>
@@ -864,7 +2361,7 @@
           <a:p>
             <a:fld id="{F42D62F9-1668-48AF-90B4-2E35AEAA713C}" type="datetimeFigureOut">
               <a:rPr lang="en-US" smtClean="0"/>
-              <a:t>12/8/2024</a:t>
+              <a:t>12/11/2024</a:t>
             </a:fld>
             <a:endParaRPr lang="en-US"/>
           </a:p>
@@ -1139,7 +2636,7 @@
           <a:p>
             <a:fld id="{F42D62F9-1668-48AF-90B4-2E35AEAA713C}" type="datetimeFigureOut">
               <a:rPr lang="en-US" smtClean="0"/>
-              <a:t>12/8/2024</a:t>
+              <a:t>12/11/2024</a:t>
             </a:fld>
             <a:endParaRPr lang="en-US"/>
           </a:p>
@@ -1404,7 +2901,7 @@
           <a:p>
             <a:fld id="{F42D62F9-1668-48AF-90B4-2E35AEAA713C}" type="datetimeFigureOut">
               <a:rPr lang="en-US" smtClean="0"/>
-              <a:t>12/8/2024</a:t>
+              <a:t>12/11/2024</a:t>
             </a:fld>
             <a:endParaRPr lang="en-US"/>
           </a:p>
@@ -1816,7 +3313,7 @@
           <a:p>
             <a:fld id="{F42D62F9-1668-48AF-90B4-2E35AEAA713C}" type="datetimeFigureOut">
               <a:rPr lang="en-US" smtClean="0"/>
-              <a:t>12/8/2024</a:t>
+              <a:t>12/11/2024</a:t>
             </a:fld>
             <a:endParaRPr lang="en-US"/>
           </a:p>
@@ -1957,7 +3454,7 @@
           <a:p>
             <a:fld id="{F42D62F9-1668-48AF-90B4-2E35AEAA713C}" type="datetimeFigureOut">
               <a:rPr lang="en-US" smtClean="0"/>
-              <a:t>12/8/2024</a:t>
+              <a:t>12/11/2024</a:t>
             </a:fld>
             <a:endParaRPr lang="en-US"/>
           </a:p>
@@ -2070,7 +3567,7 @@
           <a:p>
             <a:fld id="{F42D62F9-1668-48AF-90B4-2E35AEAA713C}" type="datetimeFigureOut">
               <a:rPr lang="en-US" smtClean="0"/>
-              <a:t>12/8/2024</a:t>
+              <a:t>12/11/2024</a:t>
             </a:fld>
             <a:endParaRPr lang="en-US"/>
           </a:p>
@@ -2381,7 +3878,7 @@
           <a:p>
             <a:fld id="{F42D62F9-1668-48AF-90B4-2E35AEAA713C}" type="datetimeFigureOut">
               <a:rPr lang="en-US" smtClean="0"/>
-              <a:t>12/8/2024</a:t>
+              <a:t>12/11/2024</a:t>
             </a:fld>
             <a:endParaRPr lang="en-US"/>
           </a:p>
@@ -2669,7 +4166,7 @@
           <a:p>
             <a:fld id="{F42D62F9-1668-48AF-90B4-2E35AEAA713C}" type="datetimeFigureOut">
               <a:rPr lang="en-US" smtClean="0"/>
-              <a:t>12/8/2024</a:t>
+              <a:t>12/11/2024</a:t>
             </a:fld>
             <a:endParaRPr lang="en-US"/>
           </a:p>
@@ -2910,7 +4407,7 @@
           <a:p>
             <a:fld id="{F42D62F9-1668-48AF-90B4-2E35AEAA713C}" type="datetimeFigureOut">
               <a:rPr lang="en-US" smtClean="0"/>
-              <a:t>12/8/2024</a:t>
+              <a:t>12/11/2024</a:t>
             </a:fld>
             <a:endParaRPr lang="en-US"/>
           </a:p>
@@ -3332,724 +4829,933 @@
           <p:cNvPr id="2" name="Title 1">
             <a:extLst>
               <a:ext uri="{FF2B5EF4-FFF2-40B4-BE49-F238E27FC236}">
-                <a16:creationId xmlns:a16="http://schemas.microsoft.com/office/drawing/2014/main" id="{B00184C7-A556-3027-8FA6-AB9DF833F3F7}"/>
-              </a:ext>
-            </a:extLst>
-          </p:cNvPr>
-          <p:cNvSpPr>
-            <a:spLocks noGrp="1"/>
-          </p:cNvSpPr>
-          <p:nvPr>
-            <p:ph type="title"/>
-          </p:nvPr>
-        </p:nvSpPr>
-        <p:spPr/>
+                <a16:creationId xmlns:a16="http://schemas.microsoft.com/office/drawing/2014/main" id="{733586C0-0031-6BC5-BD6B-0B5DCB25AFA1}"/>
+              </a:ext>
+            </a:extLst>
+          </p:cNvPr>
+          <p:cNvSpPr>
+            <a:spLocks noGrp="1"/>
+          </p:cNvSpPr>
+          <p:nvPr>
+            <p:ph type="ctrTitle"/>
+          </p:nvPr>
+        </p:nvSpPr>
+        <p:spPr>
+          <a:xfrm>
+            <a:off x="1524000" y="1445748"/>
+            <a:ext cx="9144000" cy="2387600"/>
+          </a:xfrm>
+        </p:spPr>
+        <p:txBody>
+          <a:bodyPr>
+            <a:normAutofit fontScale="90000"/>
+          </a:bodyPr>
+          <a:lstStyle/>
+          <a:p>
+            <a:r>
+              <a:rPr lang="en-US" b="1" dirty="0"/>
+              <a:t>Can I help our Union Reps predict turnout to Worksite Meetings?</a:t>
+            </a:r>
+          </a:p>
+        </p:txBody>
+      </p:sp>
+      <p:sp>
+        <p:nvSpPr>
+          <p:cNvPr id="3" name="Subtitle 2">
+            <a:extLst>
+              <a:ext uri="{FF2B5EF4-FFF2-40B4-BE49-F238E27FC236}">
+                <a16:creationId xmlns:a16="http://schemas.microsoft.com/office/drawing/2014/main" id="{E412BA2C-5B64-2715-1A06-503844729CBD}"/>
+              </a:ext>
+            </a:extLst>
+          </p:cNvPr>
+          <p:cNvSpPr>
+            <a:spLocks noGrp="1"/>
+          </p:cNvSpPr>
+          <p:nvPr>
+            <p:ph type="subTitle" idx="1"/>
+          </p:nvPr>
+        </p:nvSpPr>
+        <p:spPr>
+          <a:xfrm>
+            <a:off x="1524000" y="3925423"/>
+            <a:ext cx="9144000" cy="1655762"/>
+          </a:xfrm>
+        </p:spPr>
         <p:txBody>
           <a:bodyPr/>
           <a:lstStyle/>
           <a:p>
             <a:r>
               <a:rPr lang="en-US" dirty="0"/>
-              <a:t>Rubric</a:t>
-            </a:r>
-          </a:p>
-        </p:txBody>
-      </p:sp>
-      <p:graphicFrame>
-        <p:nvGraphicFramePr>
-          <p:cNvPr id="4" name="Content Placeholder 3">
-            <a:extLst>
-              <a:ext uri="{FF2B5EF4-FFF2-40B4-BE49-F238E27FC236}">
-                <a16:creationId xmlns:a16="http://schemas.microsoft.com/office/drawing/2014/main" id="{73D5B052-C615-801D-9C92-D201597340A5}"/>
-              </a:ext>
-            </a:extLst>
-          </p:cNvPr>
-          <p:cNvGraphicFramePr>
-            <a:graphicFrameLocks noGrp="1"/>
-          </p:cNvGraphicFramePr>
-          <p:nvPr>
-            <p:ph idx="1"/>
-            <p:extLst>
-              <p:ext uri="{D42A27DB-BD31-4B8C-83A1-F6EECF244321}">
-                <p14:modId xmlns:p14="http://schemas.microsoft.com/office/powerpoint/2010/main" val="7282875"/>
-              </p:ext>
-            </p:extLst>
-          </p:nvPr>
-        </p:nvGraphicFramePr>
-        <p:xfrm>
-          <a:off x="838200" y="1304687"/>
-          <a:ext cx="10515600" cy="914400"/>
-        </p:xfrm>
-        <a:graphic>
-          <a:graphicData uri="http://schemas.openxmlformats.org/drawingml/2006/table">
-            <a:tbl>
-              <a:tblPr/>
-              <a:tblGrid>
-                <a:gridCol w="5257800">
-                  <a:extLst>
-                    <a:ext uri="{9D8B030D-6E8A-4147-A177-3AD203B41FA5}">
-                      <a16:colId xmlns:a16="http://schemas.microsoft.com/office/drawing/2014/main" val="908965148"/>
-                    </a:ext>
-                  </a:extLst>
-                </a:gridCol>
-                <a:gridCol w="5257800">
-                  <a:extLst>
-                    <a:ext uri="{9D8B030D-6E8A-4147-A177-3AD203B41FA5}">
-                      <a16:colId xmlns:a16="http://schemas.microsoft.com/office/drawing/2014/main" val="2817272098"/>
-                    </a:ext>
-                  </a:extLst>
-                </a:gridCol>
-              </a:tblGrid>
-              <a:tr h="0">
-                <a:tc>
-                  <a:txBody>
-                    <a:bodyPr/>
-                    <a:lstStyle/>
-                    <a:p>
-                      <a:pPr algn="l"/>
-                      <a:r>
-                        <a:rPr lang="en-US" dirty="0">
-                          <a:effectLst/>
-                        </a:rPr>
-                        <a:t>Abstract</a:t>
-                      </a:r>
-                    </a:p>
-                  </a:txBody>
-                  <a:tcPr anchor="ctr">
-                    <a:lnL>
-                      <a:noFill/>
-                    </a:lnL>
-                    <a:lnR>
-                      <a:noFill/>
-                    </a:lnR>
-                    <a:lnT>
-                      <a:noFill/>
-                    </a:lnT>
-                    <a:lnB>
-                      <a:noFill/>
-                    </a:lnB>
-                    <a:noFill/>
-                  </a:tcPr>
-                </a:tc>
-                <a:tc>
-                  <a:txBody>
-                    <a:bodyPr/>
-                    <a:lstStyle/>
-                    <a:p>
-                      <a:pPr algn="l"/>
-                      <a:r>
-                        <a:rPr lang="en-US" dirty="0">
-                          <a:effectLst/>
-                        </a:rPr>
-                        <a:t>Abstract is less than 300 words, free of grammatical errors, summarizes the analysis conducted, has a conclusion and implications</a:t>
-                      </a:r>
-                    </a:p>
-                  </a:txBody>
-                  <a:tcPr anchor="ctr">
-                    <a:lnL>
-                      <a:noFill/>
-                    </a:lnL>
-                    <a:lnR>
-                      <a:noFill/>
-                    </a:lnR>
-                    <a:lnT>
-                      <a:noFill/>
-                    </a:lnT>
-                    <a:lnB>
-                      <a:noFill/>
-                    </a:lnB>
-                    <a:noFill/>
-                  </a:tcPr>
-                </a:tc>
-                <a:extLst>
-                  <a:ext uri="{0D108BD9-81ED-4DB2-BD59-A6C34878D82A}">
-                    <a16:rowId xmlns:a16="http://schemas.microsoft.com/office/drawing/2014/main" val="2935400596"/>
-                  </a:ext>
-                </a:extLst>
-              </a:tr>
-            </a:tbl>
-          </a:graphicData>
-        </a:graphic>
-      </p:graphicFrame>
-      <p:graphicFrame>
-        <p:nvGraphicFramePr>
-          <p:cNvPr id="5" name="Table 4">
-            <a:extLst>
-              <a:ext uri="{FF2B5EF4-FFF2-40B4-BE49-F238E27FC236}">
-                <a16:creationId xmlns:a16="http://schemas.microsoft.com/office/drawing/2014/main" id="{5086CD23-C6F1-CECD-25E3-D1431BF8B44C}"/>
-              </a:ext>
-            </a:extLst>
-          </p:cNvPr>
-          <p:cNvGraphicFramePr>
-            <a:graphicFrameLocks noGrp="1"/>
-          </p:cNvGraphicFramePr>
-          <p:nvPr>
-            <p:extLst>
-              <p:ext uri="{D42A27DB-BD31-4B8C-83A1-F6EECF244321}">
-                <p14:modId xmlns:p14="http://schemas.microsoft.com/office/powerpoint/2010/main" val="3102664402"/>
-              </p:ext>
-            </p:extLst>
-          </p:nvPr>
-        </p:nvGraphicFramePr>
-        <p:xfrm>
-          <a:off x="838200" y="2219087"/>
-          <a:ext cx="10515600" cy="914400"/>
-        </p:xfrm>
-        <a:graphic>
-          <a:graphicData uri="http://schemas.openxmlformats.org/drawingml/2006/table">
-            <a:tbl>
-              <a:tblPr/>
-              <a:tblGrid>
-                <a:gridCol w="5257800">
-                  <a:extLst>
-                    <a:ext uri="{9D8B030D-6E8A-4147-A177-3AD203B41FA5}">
-                      <a16:colId xmlns:a16="http://schemas.microsoft.com/office/drawing/2014/main" val="3180678132"/>
-                    </a:ext>
-                  </a:extLst>
-                </a:gridCol>
-                <a:gridCol w="5257800">
-                  <a:extLst>
-                    <a:ext uri="{9D8B030D-6E8A-4147-A177-3AD203B41FA5}">
-                      <a16:colId xmlns:a16="http://schemas.microsoft.com/office/drawing/2014/main" val="3107320420"/>
-                    </a:ext>
-                  </a:extLst>
-                </a:gridCol>
-              </a:tblGrid>
-              <a:tr h="0">
-                <a:tc>
-                  <a:txBody>
-                    <a:bodyPr/>
-                    <a:lstStyle/>
-                    <a:p>
-                      <a:pPr algn="l"/>
-                      <a:r>
-                        <a:rPr lang="en-US">
-                          <a:effectLst/>
-                        </a:rPr>
-                        <a:t>Introduction</a:t>
-                      </a:r>
-                    </a:p>
-                  </a:txBody>
-                  <a:tcPr anchor="ctr">
-                    <a:lnL>
-                      <a:noFill/>
-                    </a:lnL>
-                    <a:lnR>
-                      <a:noFill/>
-                    </a:lnR>
-                    <a:lnT>
-                      <a:noFill/>
-                    </a:lnT>
-                    <a:lnB>
-                      <a:noFill/>
-                    </a:lnB>
-                    <a:noFill/>
-                  </a:tcPr>
-                </a:tc>
-                <a:tc>
-                  <a:txBody>
-                    <a:bodyPr/>
-                    <a:lstStyle/>
-                    <a:p>
-                      <a:pPr algn="l"/>
-                      <a:r>
-                        <a:rPr lang="en-US" dirty="0">
-                          <a:effectLst/>
-                        </a:rPr>
-                        <a:t>The research question is clearly stated, can be answered by the data, and the context of the problem clearly explained.</a:t>
-                      </a:r>
-                    </a:p>
-                  </a:txBody>
-                  <a:tcPr anchor="ctr">
-                    <a:lnL>
-                      <a:noFill/>
-                    </a:lnL>
-                    <a:lnR>
-                      <a:noFill/>
-                    </a:lnR>
-                    <a:lnT>
-                      <a:noFill/>
-                    </a:lnT>
-                    <a:lnB>
-                      <a:noFill/>
-                    </a:lnB>
-                    <a:noFill/>
-                  </a:tcPr>
-                </a:tc>
-                <a:extLst>
-                  <a:ext uri="{0D108BD9-81ED-4DB2-BD59-A6C34878D82A}">
-                    <a16:rowId xmlns:a16="http://schemas.microsoft.com/office/drawing/2014/main" val="1130998886"/>
-                  </a:ext>
-                </a:extLst>
-              </a:tr>
-            </a:tbl>
-          </a:graphicData>
-        </a:graphic>
-      </p:graphicFrame>
-      <p:graphicFrame>
-        <p:nvGraphicFramePr>
-          <p:cNvPr id="6" name="Table 5">
-            <a:extLst>
-              <a:ext uri="{FF2B5EF4-FFF2-40B4-BE49-F238E27FC236}">
-                <a16:creationId xmlns:a16="http://schemas.microsoft.com/office/drawing/2014/main" id="{8AF30C12-844C-7458-F9E6-362BE00239F2}"/>
-              </a:ext>
-            </a:extLst>
-          </p:cNvPr>
-          <p:cNvGraphicFramePr>
-            <a:graphicFrameLocks noGrp="1"/>
-          </p:cNvGraphicFramePr>
-          <p:nvPr>
-            <p:extLst>
-              <p:ext uri="{D42A27DB-BD31-4B8C-83A1-F6EECF244321}">
-                <p14:modId xmlns:p14="http://schemas.microsoft.com/office/powerpoint/2010/main" val="1896684544"/>
-              </p:ext>
-            </p:extLst>
-          </p:nvPr>
-        </p:nvGraphicFramePr>
-        <p:xfrm>
-          <a:off x="838200" y="3133487"/>
-          <a:ext cx="10515600" cy="640080"/>
-        </p:xfrm>
-        <a:graphic>
-          <a:graphicData uri="http://schemas.openxmlformats.org/drawingml/2006/table">
-            <a:tbl>
-              <a:tblPr/>
-              <a:tblGrid>
-                <a:gridCol w="5257800">
-                  <a:extLst>
-                    <a:ext uri="{9D8B030D-6E8A-4147-A177-3AD203B41FA5}">
-                      <a16:colId xmlns:a16="http://schemas.microsoft.com/office/drawing/2014/main" val="1664482464"/>
-                    </a:ext>
-                  </a:extLst>
-                </a:gridCol>
-                <a:gridCol w="5257800">
-                  <a:extLst>
-                    <a:ext uri="{9D8B030D-6E8A-4147-A177-3AD203B41FA5}">
-                      <a16:colId xmlns:a16="http://schemas.microsoft.com/office/drawing/2014/main" val="3620047278"/>
-                    </a:ext>
-                  </a:extLst>
-                </a:gridCol>
-              </a:tblGrid>
-              <a:tr h="0">
-                <a:tc>
-                  <a:txBody>
-                    <a:bodyPr/>
-                    <a:lstStyle/>
-                    <a:p>
-                      <a:pPr algn="l"/>
-                      <a:r>
-                        <a:rPr lang="en-US">
-                          <a:effectLst/>
-                        </a:rPr>
-                        <a:t>Data Display</a:t>
-                      </a:r>
-                    </a:p>
-                  </a:txBody>
-                  <a:tcPr anchor="ctr">
-                    <a:lnL>
-                      <a:noFill/>
-                    </a:lnL>
-                    <a:lnR>
-                      <a:noFill/>
-                    </a:lnR>
-                    <a:lnT>
-                      <a:noFill/>
-                    </a:lnT>
-                    <a:lnB>
-                      <a:noFill/>
-                    </a:lnB>
-                    <a:noFill/>
-                  </a:tcPr>
-                </a:tc>
-                <a:tc>
-                  <a:txBody>
-                    <a:bodyPr/>
-                    <a:lstStyle/>
-                    <a:p>
-                      <a:pPr algn="l"/>
-                      <a:r>
-                        <a:rPr lang="en-US" dirty="0">
-                          <a:effectLst/>
-                        </a:rPr>
-                        <a:t>Includes appropriate, well-labeled, accurate displays (graphs and tables) of the data.</a:t>
-                      </a:r>
-                    </a:p>
-                  </a:txBody>
-                  <a:tcPr anchor="ctr">
-                    <a:lnL>
-                      <a:noFill/>
-                    </a:lnL>
-                    <a:lnR>
-                      <a:noFill/>
-                    </a:lnR>
-                    <a:lnT>
-                      <a:noFill/>
-                    </a:lnT>
-                    <a:lnB>
-                      <a:noFill/>
-                    </a:lnB>
-                    <a:noFill/>
-                  </a:tcPr>
-                </a:tc>
-                <a:extLst>
-                  <a:ext uri="{0D108BD9-81ED-4DB2-BD59-A6C34878D82A}">
-                    <a16:rowId xmlns:a16="http://schemas.microsoft.com/office/drawing/2014/main" val="2116086558"/>
-                  </a:ext>
-                </a:extLst>
-              </a:tr>
-            </a:tbl>
-          </a:graphicData>
-        </a:graphic>
-      </p:graphicFrame>
-      <p:graphicFrame>
-        <p:nvGraphicFramePr>
-          <p:cNvPr id="7" name="Table 6">
-            <a:extLst>
-              <a:ext uri="{FF2B5EF4-FFF2-40B4-BE49-F238E27FC236}">
-                <a16:creationId xmlns:a16="http://schemas.microsoft.com/office/drawing/2014/main" id="{96CFE0A3-9214-CD60-D84A-26A3BCF15FD4}"/>
-              </a:ext>
-            </a:extLst>
-          </p:cNvPr>
-          <p:cNvGraphicFramePr>
-            <a:graphicFrameLocks noGrp="1"/>
-          </p:cNvGraphicFramePr>
-          <p:nvPr>
-            <p:extLst>
-              <p:ext uri="{D42A27DB-BD31-4B8C-83A1-F6EECF244321}">
-                <p14:modId xmlns:p14="http://schemas.microsoft.com/office/powerpoint/2010/main" val="2078134391"/>
-              </p:ext>
-            </p:extLst>
-          </p:nvPr>
-        </p:nvGraphicFramePr>
-        <p:xfrm>
-          <a:off x="838200" y="3773567"/>
-          <a:ext cx="10515600" cy="640080"/>
-        </p:xfrm>
-        <a:graphic>
-          <a:graphicData uri="http://schemas.openxmlformats.org/drawingml/2006/table">
-            <a:tbl>
-              <a:tblPr/>
-              <a:tblGrid>
-                <a:gridCol w="5257800">
-                  <a:extLst>
-                    <a:ext uri="{9D8B030D-6E8A-4147-A177-3AD203B41FA5}">
-                      <a16:colId xmlns:a16="http://schemas.microsoft.com/office/drawing/2014/main" val="3552920538"/>
-                    </a:ext>
-                  </a:extLst>
-                </a:gridCol>
-                <a:gridCol w="5257800">
-                  <a:extLst>
-                    <a:ext uri="{9D8B030D-6E8A-4147-A177-3AD203B41FA5}">
-                      <a16:colId xmlns:a16="http://schemas.microsoft.com/office/drawing/2014/main" val="1149946964"/>
-                    </a:ext>
-                  </a:extLst>
-                </a:gridCol>
-              </a:tblGrid>
-              <a:tr h="0">
-                <a:tc>
-                  <a:txBody>
-                    <a:bodyPr/>
-                    <a:lstStyle/>
-                    <a:p>
-                      <a:pPr algn="l"/>
-                      <a:r>
-                        <a:rPr lang="en-US">
-                          <a:effectLst/>
-                        </a:rPr>
-                        <a:t>Data Analysis</a:t>
-                      </a:r>
-                    </a:p>
-                  </a:txBody>
-                  <a:tcPr anchor="ctr">
-                    <a:lnL>
-                      <a:noFill/>
-                    </a:lnL>
-                    <a:lnR>
-                      <a:noFill/>
-                    </a:lnR>
-                    <a:lnT>
-                      <a:noFill/>
-                    </a:lnT>
-                    <a:lnB>
-                      <a:noFill/>
-                    </a:lnB>
-                    <a:noFill/>
-                  </a:tcPr>
-                </a:tc>
-                <a:tc>
-                  <a:txBody>
-                    <a:bodyPr/>
-                    <a:lstStyle/>
-                    <a:p>
-                      <a:pPr algn="l"/>
-                      <a:r>
-                        <a:rPr lang="en-US" dirty="0">
-                          <a:effectLst/>
-                        </a:rPr>
-                        <a:t>The appropriate statistical test(s) was used for the data and interpretation was clear.</a:t>
-                      </a:r>
-                    </a:p>
-                  </a:txBody>
-                  <a:tcPr anchor="ctr">
-                    <a:lnL>
-                      <a:noFill/>
-                    </a:lnL>
-                    <a:lnR>
-                      <a:noFill/>
-                    </a:lnR>
-                    <a:lnT>
-                      <a:noFill/>
-                    </a:lnT>
-                    <a:lnB>
-                      <a:noFill/>
-                    </a:lnB>
-                    <a:noFill/>
-                  </a:tcPr>
-                </a:tc>
-                <a:extLst>
-                  <a:ext uri="{0D108BD9-81ED-4DB2-BD59-A6C34878D82A}">
-                    <a16:rowId xmlns:a16="http://schemas.microsoft.com/office/drawing/2014/main" val="1154264521"/>
-                  </a:ext>
-                </a:extLst>
-              </a:tr>
-            </a:tbl>
-          </a:graphicData>
-        </a:graphic>
-      </p:graphicFrame>
-      <p:graphicFrame>
-        <p:nvGraphicFramePr>
-          <p:cNvPr id="8" name="Table 7">
-            <a:extLst>
-              <a:ext uri="{FF2B5EF4-FFF2-40B4-BE49-F238E27FC236}">
-                <a16:creationId xmlns:a16="http://schemas.microsoft.com/office/drawing/2014/main" id="{437349C1-1D36-AED8-E992-33239B3A1F1E}"/>
-              </a:ext>
-            </a:extLst>
-          </p:cNvPr>
-          <p:cNvGraphicFramePr>
-            <a:graphicFrameLocks noGrp="1"/>
-          </p:cNvGraphicFramePr>
-          <p:nvPr>
-            <p:extLst>
-              <p:ext uri="{D42A27DB-BD31-4B8C-83A1-F6EECF244321}">
-                <p14:modId xmlns:p14="http://schemas.microsoft.com/office/powerpoint/2010/main" val="1436162463"/>
-              </p:ext>
-            </p:extLst>
-          </p:nvPr>
-        </p:nvGraphicFramePr>
-        <p:xfrm>
-          <a:off x="838200" y="4413647"/>
-          <a:ext cx="10515600" cy="914400"/>
-        </p:xfrm>
-        <a:graphic>
-          <a:graphicData uri="http://schemas.openxmlformats.org/drawingml/2006/table">
-            <a:tbl>
-              <a:tblPr/>
-              <a:tblGrid>
-                <a:gridCol w="5257800">
-                  <a:extLst>
-                    <a:ext uri="{9D8B030D-6E8A-4147-A177-3AD203B41FA5}">
-                      <a16:colId xmlns:a16="http://schemas.microsoft.com/office/drawing/2014/main" val="3474664690"/>
-                    </a:ext>
-                  </a:extLst>
-                </a:gridCol>
-                <a:gridCol w="5257800">
-                  <a:extLst>
-                    <a:ext uri="{9D8B030D-6E8A-4147-A177-3AD203B41FA5}">
-                      <a16:colId xmlns:a16="http://schemas.microsoft.com/office/drawing/2014/main" val="3412999343"/>
-                    </a:ext>
-                  </a:extLst>
-                </a:gridCol>
-              </a:tblGrid>
-              <a:tr h="0">
-                <a:tc>
-                  <a:txBody>
-                    <a:bodyPr/>
-                    <a:lstStyle/>
-                    <a:p>
-                      <a:pPr algn="l"/>
-                      <a:r>
-                        <a:rPr lang="en-US">
-                          <a:effectLst/>
-                        </a:rPr>
-                        <a:t>Conclusion</a:t>
-                      </a:r>
-                    </a:p>
-                  </a:txBody>
-                  <a:tcPr anchor="ctr">
-                    <a:lnL>
-                      <a:noFill/>
-                    </a:lnL>
-                    <a:lnR>
-                      <a:noFill/>
-                    </a:lnR>
-                    <a:lnT>
-                      <a:noFill/>
-                    </a:lnT>
-                    <a:lnB>
-                      <a:noFill/>
-                    </a:lnB>
-                    <a:noFill/>
-                  </a:tcPr>
-                </a:tc>
-                <a:tc>
-                  <a:txBody>
-                    <a:bodyPr/>
-                    <a:lstStyle/>
-                    <a:p>
-                      <a:pPr algn="l"/>
-                      <a:r>
-                        <a:rPr lang="en-US" dirty="0">
-                          <a:effectLst/>
-                        </a:rPr>
-                        <a:t>Conclusion includes a clear answer to the statistical question that is consistent with the data analysis and the method of data collection.</a:t>
-                      </a:r>
-                    </a:p>
-                  </a:txBody>
-                  <a:tcPr anchor="ctr">
-                    <a:lnL>
-                      <a:noFill/>
-                    </a:lnL>
-                    <a:lnR>
-                      <a:noFill/>
-                    </a:lnR>
-                    <a:lnT>
-                      <a:noFill/>
-                    </a:lnT>
-                    <a:lnB>
-                      <a:noFill/>
-                    </a:lnB>
-                    <a:noFill/>
-                  </a:tcPr>
-                </a:tc>
-                <a:extLst>
-                  <a:ext uri="{0D108BD9-81ED-4DB2-BD59-A6C34878D82A}">
-                    <a16:rowId xmlns:a16="http://schemas.microsoft.com/office/drawing/2014/main" val="2200140976"/>
-                  </a:ext>
-                </a:extLst>
-              </a:tr>
-            </a:tbl>
-          </a:graphicData>
-        </a:graphic>
-      </p:graphicFrame>
-      <p:graphicFrame>
-        <p:nvGraphicFramePr>
-          <p:cNvPr id="10" name="Table 9">
-            <a:extLst>
-              <a:ext uri="{FF2B5EF4-FFF2-40B4-BE49-F238E27FC236}">
-                <a16:creationId xmlns:a16="http://schemas.microsoft.com/office/drawing/2014/main" id="{3BB8EE6A-EFC6-4083-2468-25D5FCDDF7B2}"/>
-              </a:ext>
-            </a:extLst>
-          </p:cNvPr>
-          <p:cNvGraphicFramePr>
-            <a:graphicFrameLocks noGrp="1"/>
-          </p:cNvGraphicFramePr>
-          <p:nvPr>
-            <p:extLst>
-              <p:ext uri="{D42A27DB-BD31-4B8C-83A1-F6EECF244321}">
-                <p14:modId xmlns:p14="http://schemas.microsoft.com/office/powerpoint/2010/main" val="776677860"/>
-              </p:ext>
-            </p:extLst>
-          </p:nvPr>
-        </p:nvGraphicFramePr>
-        <p:xfrm>
-          <a:off x="838200" y="5329036"/>
-          <a:ext cx="10515600" cy="365760"/>
-        </p:xfrm>
-        <a:graphic>
-          <a:graphicData uri="http://schemas.openxmlformats.org/drawingml/2006/table">
-            <a:tbl>
-              <a:tblPr/>
-              <a:tblGrid>
-                <a:gridCol w="5257800">
-                  <a:extLst>
-                    <a:ext uri="{9D8B030D-6E8A-4147-A177-3AD203B41FA5}">
-                      <a16:colId xmlns:a16="http://schemas.microsoft.com/office/drawing/2014/main" val="1264452256"/>
-                    </a:ext>
-                  </a:extLst>
-                </a:gridCol>
-                <a:gridCol w="5257800">
-                  <a:extLst>
-                    <a:ext uri="{9D8B030D-6E8A-4147-A177-3AD203B41FA5}">
-                      <a16:colId xmlns:a16="http://schemas.microsoft.com/office/drawing/2014/main" val="1150815952"/>
-                    </a:ext>
-                  </a:extLst>
-                </a:gridCol>
-              </a:tblGrid>
-              <a:tr h="0">
-                <a:tc>
-                  <a:txBody>
-                    <a:bodyPr/>
-                    <a:lstStyle/>
-                    <a:p>
-                      <a:pPr algn="l"/>
-                      <a:r>
-                        <a:rPr lang="en-US">
-                          <a:effectLst/>
-                        </a:rPr>
-                        <a:t>Overall Presentation</a:t>
-                      </a:r>
-                    </a:p>
-                  </a:txBody>
-                  <a:tcPr anchor="ctr">
-                    <a:lnL>
-                      <a:noFill/>
-                    </a:lnL>
-                    <a:lnR>
-                      <a:noFill/>
-                    </a:lnR>
-                    <a:lnT>
-                      <a:noFill/>
-                    </a:lnT>
-                    <a:lnB>
-                      <a:noFill/>
-                    </a:lnB>
-                    <a:noFill/>
-                  </a:tcPr>
-                </a:tc>
-                <a:tc>
-                  <a:txBody>
-                    <a:bodyPr/>
-                    <a:lstStyle/>
-                    <a:p>
-                      <a:pPr algn="l"/>
-                      <a:r>
-                        <a:rPr lang="en-US" dirty="0">
-                          <a:effectLst/>
-                        </a:rPr>
-                        <a:t>Attractive, well-organized, well-written presentation</a:t>
-                      </a:r>
-                    </a:p>
-                  </a:txBody>
-                  <a:tcPr anchor="ctr">
-                    <a:lnL>
-                      <a:noFill/>
-                    </a:lnL>
-                    <a:lnR>
-                      <a:noFill/>
-                    </a:lnR>
-                    <a:lnT>
-                      <a:noFill/>
-                    </a:lnT>
-                    <a:lnB>
-                      <a:noFill/>
-                    </a:lnB>
-                    <a:noFill/>
-                  </a:tcPr>
-                </a:tc>
-                <a:extLst>
-                  <a:ext uri="{0D108BD9-81ED-4DB2-BD59-A6C34878D82A}">
-                    <a16:rowId xmlns:a16="http://schemas.microsoft.com/office/drawing/2014/main" val="1443677050"/>
-                  </a:ext>
-                </a:extLst>
-              </a:tr>
-            </a:tbl>
-          </a:graphicData>
-        </a:graphic>
-      </p:graphicFrame>
+              <a:t>Guillermo Schneider</a:t>
+            </a:r>
+          </a:p>
+        </p:txBody>
+      </p:sp>
     </p:spTree>
     <p:extLst>
       <p:ext uri="{BB962C8B-B14F-4D97-AF65-F5344CB8AC3E}">
-        <p14:creationId xmlns:p14="http://schemas.microsoft.com/office/powerpoint/2010/main" val="3259920192"/>
+        <p14:creationId xmlns:p14="http://schemas.microsoft.com/office/powerpoint/2010/main" val="437230779"/>
+      </p:ext>
+    </p:extLst>
+  </p:cSld>
+  <p:clrMapOvr>
+    <a:masterClrMapping/>
+  </p:clrMapOvr>
+</p:sld>
+</file>
+
+<file path=ppt/slides/slide10.xml><?xml version="1.0" encoding="utf-8"?>
+<p:sld xmlns:a="http://schemas.openxmlformats.org/drawingml/2006/main" xmlns:r="http://schemas.openxmlformats.org/officeDocument/2006/relationships" xmlns:p="http://schemas.openxmlformats.org/presentationml/2006/main">
+  <p:cSld>
+    <p:spTree>
+      <p:nvGrpSpPr>
+        <p:cNvPr id="1" name=""/>
+        <p:cNvGrpSpPr/>
+        <p:nvPr/>
+      </p:nvGrpSpPr>
+      <p:grpSpPr>
+        <a:xfrm>
+          <a:off x="0" y="0"/>
+          <a:ext cx="0" cy="0"/>
+          <a:chOff x="0" y="0"/>
+          <a:chExt cx="0" cy="0"/>
+        </a:xfrm>
+      </p:grpSpPr>
+      <p:sp>
+        <p:nvSpPr>
+          <p:cNvPr id="2" name="Title 1">
+            <a:extLst>
+              <a:ext uri="{FF2B5EF4-FFF2-40B4-BE49-F238E27FC236}">
+                <a16:creationId xmlns:a16="http://schemas.microsoft.com/office/drawing/2014/main" id="{7AE18E0B-5041-9E89-BE8E-7C667F71EDD8}"/>
+              </a:ext>
+            </a:extLst>
+          </p:cNvPr>
+          <p:cNvSpPr>
+            <a:spLocks noGrp="1"/>
+          </p:cNvSpPr>
+          <p:nvPr>
+            <p:ph type="title"/>
+          </p:nvPr>
+        </p:nvSpPr>
+        <p:spPr/>
+        <p:txBody>
+          <a:bodyPr/>
+          <a:lstStyle/>
+          <a:p>
+            <a:r>
+              <a:rPr lang="en-US" b="1" dirty="0"/>
+              <a:t>Weighted Logistic Regression Model</a:t>
+            </a:r>
+          </a:p>
+        </p:txBody>
+      </p:sp>
+      <p:pic>
+        <p:nvPicPr>
+          <p:cNvPr id="5" name="Picture 4">
+            <a:extLst>
+              <a:ext uri="{FF2B5EF4-FFF2-40B4-BE49-F238E27FC236}">
+                <a16:creationId xmlns:a16="http://schemas.microsoft.com/office/drawing/2014/main" id="{C328579F-B0A6-649F-8080-66A29FA4299E}"/>
+              </a:ext>
+            </a:extLst>
+          </p:cNvPr>
+          <p:cNvPicPr>
+            <a:picLocks noChangeAspect="1"/>
+          </p:cNvPicPr>
+          <p:nvPr/>
+        </p:nvPicPr>
+        <p:blipFill>
+          <a:blip r:embed="rId3"/>
+          <a:srcRect b="10827"/>
+          <a:stretch/>
+        </p:blipFill>
+        <p:spPr>
+          <a:xfrm>
+            <a:off x="1409046" y="1785998"/>
+            <a:ext cx="6875224" cy="3160093"/>
+          </a:xfrm>
+          <a:prstGeom prst="rect">
+            <a:avLst/>
+          </a:prstGeom>
+        </p:spPr>
+      </p:pic>
+      <p:pic>
+        <p:nvPicPr>
+          <p:cNvPr id="9" name="Picture 8">
+            <a:extLst>
+              <a:ext uri="{FF2B5EF4-FFF2-40B4-BE49-F238E27FC236}">
+                <a16:creationId xmlns:a16="http://schemas.microsoft.com/office/drawing/2014/main" id="{E0A64276-C684-D67E-4959-BBF6A387BD70}"/>
+              </a:ext>
+            </a:extLst>
+          </p:cNvPr>
+          <p:cNvPicPr>
+            <a:picLocks noChangeAspect="1"/>
+          </p:cNvPicPr>
+          <p:nvPr/>
+        </p:nvPicPr>
+        <p:blipFill>
+          <a:blip r:embed="rId4"/>
+          <a:stretch>
+            <a:fillRect/>
+          </a:stretch>
+        </p:blipFill>
+        <p:spPr>
+          <a:xfrm>
+            <a:off x="1409046" y="5228120"/>
+            <a:ext cx="9373908" cy="1105054"/>
+          </a:xfrm>
+          <a:prstGeom prst="rect">
+            <a:avLst/>
+          </a:prstGeom>
+        </p:spPr>
+      </p:pic>
+      <p:pic>
+        <p:nvPicPr>
+          <p:cNvPr id="11" name="Picture 10">
+            <a:extLst>
+              <a:ext uri="{FF2B5EF4-FFF2-40B4-BE49-F238E27FC236}">
+                <a16:creationId xmlns:a16="http://schemas.microsoft.com/office/drawing/2014/main" id="{B62224C6-52F1-957C-B4D9-1DEF9C0BAE4D}"/>
+              </a:ext>
+            </a:extLst>
+          </p:cNvPr>
+          <p:cNvPicPr>
+            <a:picLocks noChangeAspect="1"/>
+          </p:cNvPicPr>
+          <p:nvPr/>
+        </p:nvPicPr>
+        <p:blipFill>
+          <a:blip r:embed="rId5"/>
+          <a:stretch>
+            <a:fillRect/>
+          </a:stretch>
+        </p:blipFill>
+        <p:spPr>
+          <a:xfrm>
+            <a:off x="217920" y="1299451"/>
+            <a:ext cx="10926700" cy="200053"/>
+          </a:xfrm>
+          <a:prstGeom prst="rect">
+            <a:avLst/>
+          </a:prstGeom>
+        </p:spPr>
+      </p:pic>
+    </p:spTree>
+    <p:extLst>
+      <p:ext uri="{BB962C8B-B14F-4D97-AF65-F5344CB8AC3E}">
+        <p14:creationId xmlns:p14="http://schemas.microsoft.com/office/powerpoint/2010/main" val="3707306500"/>
+      </p:ext>
+    </p:extLst>
+  </p:cSld>
+  <p:clrMapOvr>
+    <a:masterClrMapping/>
+  </p:clrMapOvr>
+</p:sld>
+</file>
+
+<file path=ppt/slides/slide11.xml><?xml version="1.0" encoding="utf-8"?>
+<p:sld xmlns:a="http://schemas.openxmlformats.org/drawingml/2006/main" xmlns:r="http://schemas.openxmlformats.org/officeDocument/2006/relationships" xmlns:p="http://schemas.openxmlformats.org/presentationml/2006/main">
+  <p:cSld>
+    <p:spTree>
+      <p:nvGrpSpPr>
+        <p:cNvPr id="1" name=""/>
+        <p:cNvGrpSpPr/>
+        <p:nvPr/>
+      </p:nvGrpSpPr>
+      <p:grpSpPr>
+        <a:xfrm>
+          <a:off x="0" y="0"/>
+          <a:ext cx="0" cy="0"/>
+          <a:chOff x="0" y="0"/>
+          <a:chExt cx="0" cy="0"/>
+        </a:xfrm>
+      </p:grpSpPr>
+      <p:sp>
+        <p:nvSpPr>
+          <p:cNvPr id="2" name="Title 1">
+            <a:extLst>
+              <a:ext uri="{FF2B5EF4-FFF2-40B4-BE49-F238E27FC236}">
+                <a16:creationId xmlns:a16="http://schemas.microsoft.com/office/drawing/2014/main" id="{E438DA51-1C5B-FC7D-9767-40AB956209E1}"/>
+              </a:ext>
+            </a:extLst>
+          </p:cNvPr>
+          <p:cNvSpPr>
+            <a:spLocks noGrp="1"/>
+          </p:cNvSpPr>
+          <p:nvPr>
+            <p:ph type="title"/>
+          </p:nvPr>
+        </p:nvSpPr>
+        <p:spPr/>
+        <p:txBody>
+          <a:bodyPr/>
+          <a:lstStyle/>
+          <a:p>
+            <a:r>
+              <a:rPr lang="en-US" b="1" dirty="0"/>
+              <a:t>Chi-square statistic (χ²)</a:t>
+            </a:r>
+          </a:p>
+        </p:txBody>
+      </p:sp>
+      <p:sp>
+        <p:nvSpPr>
+          <p:cNvPr id="3" name="Content Placeholder 2">
+            <a:extLst>
+              <a:ext uri="{FF2B5EF4-FFF2-40B4-BE49-F238E27FC236}">
+                <a16:creationId xmlns:a16="http://schemas.microsoft.com/office/drawing/2014/main" id="{C312FAFF-6739-EA5B-ECC2-862B7E012437}"/>
+              </a:ext>
+            </a:extLst>
+          </p:cNvPr>
+          <p:cNvSpPr>
+            <a:spLocks noGrp="1"/>
+          </p:cNvSpPr>
+          <p:nvPr>
+            <p:ph idx="1"/>
+          </p:nvPr>
+        </p:nvSpPr>
+        <p:spPr>
+          <a:xfrm>
+            <a:off x="838200" y="1569147"/>
+            <a:ext cx="10993244" cy="3058610"/>
+          </a:xfrm>
+        </p:spPr>
+        <p:txBody>
+          <a:bodyPr>
+            <a:normAutofit fontScale="92500" lnSpcReduction="20000"/>
+          </a:bodyPr>
+          <a:lstStyle/>
+          <a:p>
+            <a:pPr>
+              <a:buFont typeface="Arial" panose="020B0604020202020204" pitchFamily="34" charset="0"/>
+              <a:buChar char="•"/>
+            </a:pPr>
+            <a:r>
+              <a:rPr lang="en-US" dirty="0"/>
+              <a:t>Null hypothesis (H0): there is no association between our variables</a:t>
+            </a:r>
+          </a:p>
+          <a:p>
+            <a:pPr>
+              <a:buFont typeface="Arial" panose="020B0604020202020204" pitchFamily="34" charset="0"/>
+              <a:buChar char="•"/>
+            </a:pPr>
+            <a:r>
+              <a:rPr lang="en-US" dirty="0"/>
+              <a:t>Alternative hypothesis (H1): there is an association between our variables</a:t>
+            </a:r>
+          </a:p>
+          <a:p>
+            <a:pPr>
+              <a:buFont typeface="Arial" panose="020B0604020202020204" pitchFamily="34" charset="0"/>
+              <a:buChar char="•"/>
+            </a:pPr>
+            <a:endParaRPr lang="en-US" dirty="0">
+              <a:solidFill>
+                <a:srgbClr val="000000"/>
+              </a:solidFill>
+              <a:effectLst/>
+            </a:endParaRPr>
+          </a:p>
+          <a:p>
+            <a:pPr marL="0" indent="0">
+              <a:buNone/>
+            </a:pPr>
+            <a:r>
+              <a:rPr lang="en-US" dirty="0">
+                <a:solidFill>
+                  <a:srgbClr val="000000"/>
+                </a:solidFill>
+                <a:effectLst/>
+              </a:rPr>
+              <a:t>Chi-squared to p-value:</a:t>
+            </a:r>
+          </a:p>
+          <a:p>
+            <a:pPr lvl="1"/>
+            <a:r>
+              <a:rPr lang="en-US" dirty="0">
+                <a:solidFill>
+                  <a:srgbClr val="000000"/>
+                </a:solidFill>
+                <a:effectLst/>
+              </a:rPr>
+              <a:t>X</a:t>
+            </a:r>
+            <a:r>
+              <a:rPr lang="en-US" baseline="30000" dirty="0">
+                <a:solidFill>
+                  <a:srgbClr val="000000"/>
+                </a:solidFill>
+                <a:effectLst/>
+              </a:rPr>
+              <a:t>2</a:t>
+            </a:r>
+            <a:r>
+              <a:rPr lang="en-US" dirty="0">
+                <a:solidFill>
+                  <a:srgbClr val="000000"/>
+                </a:solidFill>
+                <a:effectLst/>
+              </a:rPr>
+              <a:t> = Null deviance – Residual deviance</a:t>
+            </a:r>
+            <a:endParaRPr lang="en-US" dirty="0"/>
+          </a:p>
+          <a:p>
+            <a:pPr lvl="1"/>
+            <a:r>
+              <a:rPr lang="en-US" dirty="0">
+                <a:solidFill>
+                  <a:srgbClr val="000000"/>
+                </a:solidFill>
+                <a:effectLst/>
+              </a:rPr>
+              <a:t>X</a:t>
+            </a:r>
+            <a:r>
+              <a:rPr lang="en-US" baseline="30000" dirty="0">
+                <a:solidFill>
+                  <a:srgbClr val="000000"/>
+                </a:solidFill>
+                <a:effectLst/>
+              </a:rPr>
+              <a:t>2</a:t>
+            </a:r>
+            <a:r>
+              <a:rPr lang="en-US" dirty="0">
+                <a:solidFill>
+                  <a:srgbClr val="000000"/>
+                </a:solidFill>
+                <a:effectLst/>
+              </a:rPr>
+              <a:t> = 1131.38 – 952.04</a:t>
+            </a:r>
+            <a:endParaRPr lang="en-US" dirty="0"/>
+          </a:p>
+          <a:p>
+            <a:pPr lvl="1"/>
+            <a:r>
+              <a:rPr lang="en-US" dirty="0">
+                <a:solidFill>
+                  <a:srgbClr val="000000"/>
+                </a:solidFill>
+                <a:effectLst/>
+              </a:rPr>
+              <a:t>X</a:t>
+            </a:r>
+            <a:r>
+              <a:rPr lang="en-US" baseline="30000" dirty="0">
+                <a:solidFill>
+                  <a:srgbClr val="000000"/>
+                </a:solidFill>
+                <a:effectLst/>
+              </a:rPr>
+              <a:t>2</a:t>
+            </a:r>
+            <a:r>
+              <a:rPr lang="en-US" dirty="0">
+                <a:solidFill>
+                  <a:srgbClr val="000000"/>
+                </a:solidFill>
+                <a:effectLst/>
+              </a:rPr>
+              <a:t> = 179.34</a:t>
+            </a:r>
+          </a:p>
+          <a:p>
+            <a:pPr lvl="1"/>
+            <a:r>
+              <a:rPr lang="en-US" dirty="0" err="1">
+                <a:solidFill>
+                  <a:srgbClr val="000000"/>
+                </a:solidFill>
+              </a:rPr>
+              <a:t>df</a:t>
+            </a:r>
+            <a:r>
+              <a:rPr lang="en-US" dirty="0">
+                <a:solidFill>
+                  <a:srgbClr val="000000"/>
+                </a:solidFill>
+              </a:rPr>
+              <a:t> = 529 – 525 = 4</a:t>
+            </a:r>
+            <a:endParaRPr lang="en-US" dirty="0">
+              <a:solidFill>
+                <a:srgbClr val="000000"/>
+              </a:solidFill>
+              <a:effectLst/>
+            </a:endParaRPr>
+          </a:p>
+          <a:p>
+            <a:pPr>
+              <a:buFont typeface="Arial" panose="020B0604020202020204" pitchFamily="34" charset="0"/>
+              <a:buChar char="•"/>
+            </a:pPr>
+            <a:endParaRPr lang="en-US" dirty="0">
+              <a:solidFill>
+                <a:srgbClr val="000000"/>
+              </a:solidFill>
+            </a:endParaRPr>
+          </a:p>
+        </p:txBody>
+      </p:sp>
+      <p:pic>
+        <p:nvPicPr>
+          <p:cNvPr id="9" name="Picture 8">
+            <a:extLst>
+              <a:ext uri="{FF2B5EF4-FFF2-40B4-BE49-F238E27FC236}">
+                <a16:creationId xmlns:a16="http://schemas.microsoft.com/office/drawing/2014/main" id="{9CF668E8-55CB-4C40-ADDA-242EE79D2712}"/>
+              </a:ext>
+            </a:extLst>
+          </p:cNvPr>
+          <p:cNvPicPr>
+            <a:picLocks noChangeAspect="1"/>
+          </p:cNvPicPr>
+          <p:nvPr/>
+        </p:nvPicPr>
+        <p:blipFill>
+          <a:blip r:embed="rId3"/>
+          <a:stretch>
+            <a:fillRect/>
+          </a:stretch>
+        </p:blipFill>
+        <p:spPr>
+          <a:xfrm>
+            <a:off x="7055767" y="4627757"/>
+            <a:ext cx="4543108" cy="1593752"/>
+          </a:xfrm>
+          <a:prstGeom prst="rect">
+            <a:avLst/>
+          </a:prstGeom>
+        </p:spPr>
+      </p:pic>
+      <p:sp>
+        <p:nvSpPr>
+          <p:cNvPr id="10" name="TextBox 9">
+            <a:extLst>
+              <a:ext uri="{FF2B5EF4-FFF2-40B4-BE49-F238E27FC236}">
+                <a16:creationId xmlns:a16="http://schemas.microsoft.com/office/drawing/2014/main" id="{6636DD13-E9FF-976E-525A-4C9448FEA532}"/>
+              </a:ext>
+            </a:extLst>
+          </p:cNvPr>
+          <p:cNvSpPr txBox="1"/>
+          <p:nvPr/>
+        </p:nvSpPr>
+        <p:spPr>
+          <a:xfrm>
+            <a:off x="838200" y="4627757"/>
+            <a:ext cx="6327344" cy="2062103"/>
+          </a:xfrm>
+          <a:prstGeom prst="rect">
+            <a:avLst/>
+          </a:prstGeom>
+          <a:noFill/>
+        </p:spPr>
+        <p:txBody>
+          <a:bodyPr wrap="square" rtlCol="0">
+            <a:spAutoFit/>
+          </a:bodyPr>
+          <a:lstStyle/>
+          <a:p>
+            <a:pPr marL="285750" indent="-285750">
+              <a:buFont typeface="Arial" panose="020B0604020202020204" pitchFamily="34" charset="0"/>
+              <a:buChar char="•"/>
+            </a:pPr>
+            <a:r>
+              <a:rPr lang="en-US" sz="2200" dirty="0">
+                <a:solidFill>
+                  <a:srgbClr val="000000"/>
+                </a:solidFill>
+                <a:effectLst/>
+              </a:rPr>
+              <a:t>p-value is less than.05 so we reject the null hypothesis. </a:t>
+            </a:r>
+            <a:r>
+              <a:rPr lang="en-US" sz="2200" dirty="0">
+                <a:solidFill>
+                  <a:srgbClr val="000000"/>
+                </a:solidFill>
+              </a:rPr>
+              <a:t>T</a:t>
+            </a:r>
+            <a:r>
+              <a:rPr lang="en-US" sz="2200" dirty="0">
+                <a:solidFill>
+                  <a:srgbClr val="000000"/>
+                </a:solidFill>
+                <a:effectLst/>
+              </a:rPr>
+              <a:t>here is a statistically significant relationship between the </a:t>
+            </a:r>
+            <a:r>
+              <a:rPr lang="en-US" sz="2200" dirty="0">
+                <a:effectLst/>
+              </a:rPr>
+              <a:t>buildings’ division, member count, and ADF contributions to turnout</a:t>
+            </a:r>
+            <a:endParaRPr lang="en-US" sz="2200" dirty="0"/>
+          </a:p>
+          <a:p>
+            <a:endParaRPr lang="en-US" dirty="0"/>
+          </a:p>
+        </p:txBody>
+      </p:sp>
+    </p:spTree>
+    <p:extLst>
+      <p:ext uri="{BB962C8B-B14F-4D97-AF65-F5344CB8AC3E}">
+        <p14:creationId xmlns:p14="http://schemas.microsoft.com/office/powerpoint/2010/main" val="3583052444"/>
+      </p:ext>
+    </p:extLst>
+  </p:cSld>
+  <p:clrMapOvr>
+    <a:masterClrMapping/>
+  </p:clrMapOvr>
+</p:sld>
+</file>
+
+<file path=ppt/slides/slide12.xml><?xml version="1.0" encoding="utf-8"?>
+<p:sld xmlns:a="http://schemas.openxmlformats.org/drawingml/2006/main" xmlns:r="http://schemas.openxmlformats.org/officeDocument/2006/relationships" xmlns:p="http://schemas.openxmlformats.org/presentationml/2006/main">
+  <p:cSld>
+    <p:spTree>
+      <p:nvGrpSpPr>
+        <p:cNvPr id="1" name=""/>
+        <p:cNvGrpSpPr/>
+        <p:nvPr/>
+      </p:nvGrpSpPr>
+      <p:grpSpPr>
+        <a:xfrm>
+          <a:off x="0" y="0"/>
+          <a:ext cx="0" cy="0"/>
+          <a:chOff x="0" y="0"/>
+          <a:chExt cx="0" cy="0"/>
+        </a:xfrm>
+      </p:grpSpPr>
+      <p:sp>
+        <p:nvSpPr>
+          <p:cNvPr id="2" name="Title 1">
+            <a:extLst>
+              <a:ext uri="{FF2B5EF4-FFF2-40B4-BE49-F238E27FC236}">
+                <a16:creationId xmlns:a16="http://schemas.microsoft.com/office/drawing/2014/main" id="{277E4254-DE8F-1680-324A-8F064AA401AE}"/>
+              </a:ext>
+            </a:extLst>
+          </p:cNvPr>
+          <p:cNvSpPr>
+            <a:spLocks noGrp="1"/>
+          </p:cNvSpPr>
+          <p:nvPr>
+            <p:ph type="title"/>
+          </p:nvPr>
+        </p:nvSpPr>
+        <p:spPr/>
+        <p:txBody>
+          <a:bodyPr/>
+          <a:lstStyle/>
+          <a:p>
+            <a:r>
+              <a:rPr lang="en-US" b="1" dirty="0"/>
+              <a:t>Conclusions</a:t>
+            </a:r>
+          </a:p>
+        </p:txBody>
+      </p:sp>
+      <p:sp>
+        <p:nvSpPr>
+          <p:cNvPr id="3" name="Content Placeholder 2">
+            <a:extLst>
+              <a:ext uri="{FF2B5EF4-FFF2-40B4-BE49-F238E27FC236}">
+                <a16:creationId xmlns:a16="http://schemas.microsoft.com/office/drawing/2014/main" id="{6EF4A92B-5A4F-0FE8-BDCE-5C7272483DC4}"/>
+              </a:ext>
+            </a:extLst>
+          </p:cNvPr>
+          <p:cNvSpPr>
+            <a:spLocks noGrp="1"/>
+          </p:cNvSpPr>
+          <p:nvPr>
+            <p:ph idx="1"/>
+          </p:nvPr>
+        </p:nvSpPr>
+        <p:spPr>
+          <a:xfrm>
+            <a:off x="838200" y="1078493"/>
+            <a:ext cx="10515600" cy="5199643"/>
+          </a:xfrm>
+        </p:spPr>
+        <p:txBody>
+          <a:bodyPr>
+            <a:normAutofit fontScale="92500"/>
+          </a:bodyPr>
+          <a:lstStyle/>
+          <a:p>
+            <a:endParaRPr lang="en-US" sz="3200" dirty="0"/>
+          </a:p>
+          <a:p>
+            <a:r>
+              <a:rPr lang="en-US" sz="3500" dirty="0"/>
+              <a:t>Our turnout seems to be more polarized than we thought, with extremes (both very high and very low turnout %) seeming to be more common than expected </a:t>
+            </a:r>
+          </a:p>
+          <a:p>
+            <a:r>
+              <a:rPr lang="en-US" sz="3500" dirty="0"/>
+              <a:t>Our Union Reps may be putting to much weight on whether a building contributes to ADF means they’ll be more likely to come to Worksite Meetings</a:t>
+            </a:r>
+          </a:p>
+          <a:p>
+            <a:r>
+              <a:rPr lang="en-US" sz="3500" dirty="0"/>
+              <a:t>Commercial Building members are much more likely to turnout</a:t>
+            </a:r>
+          </a:p>
+          <a:p>
+            <a:r>
+              <a:rPr lang="en-US" sz="3500" dirty="0"/>
+              <a:t>Targeting smaller buildings may be key for better turnout</a:t>
+            </a:r>
+          </a:p>
+          <a:p>
+            <a:endParaRPr lang="en-US" dirty="0"/>
+          </a:p>
+          <a:p>
+            <a:endParaRPr lang="en-US" dirty="0"/>
+          </a:p>
+          <a:p>
+            <a:endParaRPr lang="en-US" dirty="0"/>
+          </a:p>
+          <a:p>
+            <a:endParaRPr lang="en-US" dirty="0"/>
+          </a:p>
+          <a:p>
+            <a:endParaRPr lang="en-US" dirty="0"/>
+          </a:p>
+        </p:txBody>
+      </p:sp>
+    </p:spTree>
+    <p:extLst>
+      <p:ext uri="{BB962C8B-B14F-4D97-AF65-F5344CB8AC3E}">
+        <p14:creationId xmlns:p14="http://schemas.microsoft.com/office/powerpoint/2010/main" val="4087211587"/>
+      </p:ext>
+    </p:extLst>
+  </p:cSld>
+  <p:clrMapOvr>
+    <a:masterClrMapping/>
+  </p:clrMapOvr>
+</p:sld>
+</file>
+
+<file path=ppt/slides/slide13.xml><?xml version="1.0" encoding="utf-8"?>
+<p:sld xmlns:a="http://schemas.openxmlformats.org/drawingml/2006/main" xmlns:r="http://schemas.openxmlformats.org/officeDocument/2006/relationships" xmlns:p="http://schemas.openxmlformats.org/presentationml/2006/main">
+  <p:cSld>
+    <p:spTree>
+      <p:nvGrpSpPr>
+        <p:cNvPr id="1" name=""/>
+        <p:cNvGrpSpPr/>
+        <p:nvPr/>
+      </p:nvGrpSpPr>
+      <p:grpSpPr>
+        <a:xfrm>
+          <a:off x="0" y="0"/>
+          <a:ext cx="0" cy="0"/>
+          <a:chOff x="0" y="0"/>
+          <a:chExt cx="0" cy="0"/>
+        </a:xfrm>
+      </p:grpSpPr>
+      <p:sp>
+        <p:nvSpPr>
+          <p:cNvPr id="2" name="Title 1">
+            <a:extLst>
+              <a:ext uri="{FF2B5EF4-FFF2-40B4-BE49-F238E27FC236}">
+                <a16:creationId xmlns:a16="http://schemas.microsoft.com/office/drawing/2014/main" id="{25899F9F-4425-CFD0-AE78-3EDD944A3FDF}"/>
+              </a:ext>
+            </a:extLst>
+          </p:cNvPr>
+          <p:cNvSpPr>
+            <a:spLocks noGrp="1"/>
+          </p:cNvSpPr>
+          <p:nvPr>
+            <p:ph type="title"/>
+          </p:nvPr>
+        </p:nvSpPr>
+        <p:spPr/>
+        <p:txBody>
+          <a:bodyPr/>
+          <a:lstStyle/>
+          <a:p>
+            <a:r>
+              <a:rPr lang="en-US" b="1" dirty="0"/>
+              <a:t>Limitations and Future Analysis</a:t>
+            </a:r>
+          </a:p>
+        </p:txBody>
+      </p:sp>
+      <p:sp>
+        <p:nvSpPr>
+          <p:cNvPr id="3" name="Content Placeholder 2">
+            <a:extLst>
+              <a:ext uri="{FF2B5EF4-FFF2-40B4-BE49-F238E27FC236}">
+                <a16:creationId xmlns:a16="http://schemas.microsoft.com/office/drawing/2014/main" id="{42E3CEA1-1034-16BF-6551-275C8FDA2761}"/>
+              </a:ext>
+            </a:extLst>
+          </p:cNvPr>
+          <p:cNvSpPr>
+            <a:spLocks noGrp="1"/>
+          </p:cNvSpPr>
+          <p:nvPr>
+            <p:ph idx="1"/>
+          </p:nvPr>
+        </p:nvSpPr>
+        <p:spPr>
+          <a:xfrm>
+            <a:off x="838199" y="1253330"/>
+            <a:ext cx="10714463" cy="5470855"/>
+          </a:xfrm>
+        </p:spPr>
+        <p:txBody>
+          <a:bodyPr>
+            <a:normAutofit/>
+          </a:bodyPr>
+          <a:lstStyle/>
+          <a:p>
+            <a:pPr marL="0" indent="0">
+              <a:buNone/>
+            </a:pPr>
+            <a:endParaRPr lang="en-US" dirty="0"/>
+          </a:p>
+          <a:p>
+            <a:r>
+              <a:rPr lang="en-US" b="1" dirty="0"/>
+              <a:t>Limitations: </a:t>
+            </a:r>
+            <a:r>
+              <a:rPr lang="en-US" dirty="0"/>
+              <a:t>I’m calculating turnout % using past turnout divided by current roster. Usually, rosters stay similar sizes through the year (especially due to union contract protections on unlawful reduction in forces), but they do change, introducing possible inaccuracy.</a:t>
+            </a:r>
+          </a:p>
+          <a:p>
+            <a:endParaRPr lang="en-US" sz="800" dirty="0"/>
+          </a:p>
+          <a:p>
+            <a:r>
+              <a:rPr lang="en-US" b="1" dirty="0"/>
+              <a:t>Improved dataset: </a:t>
+            </a:r>
+            <a:r>
+              <a:rPr lang="en-US" dirty="0"/>
+              <a:t>I think its possible but tedious to have my SQL queries roster and ADF data for each day, to more accurately calculate the turnout % for the exact day of the worksite meeting</a:t>
+            </a:r>
+          </a:p>
+          <a:p>
+            <a:endParaRPr lang="en-US" sz="800" dirty="0"/>
+          </a:p>
+          <a:p>
+            <a:r>
+              <a:rPr lang="en-US" b="1" dirty="0"/>
+              <a:t>Future Analysis: </a:t>
+            </a:r>
+            <a:r>
+              <a:rPr lang="en-US" dirty="0"/>
+              <a:t>With that dataset, I could compare data before and after worksite meetings to see the potential impact of the visit </a:t>
+            </a:r>
+          </a:p>
+        </p:txBody>
+      </p:sp>
+    </p:spTree>
+    <p:extLst>
+      <p:ext uri="{BB962C8B-B14F-4D97-AF65-F5344CB8AC3E}">
+        <p14:creationId xmlns:p14="http://schemas.microsoft.com/office/powerpoint/2010/main" val="1624004298"/>
+      </p:ext>
+    </p:extLst>
+  </p:cSld>
+  <p:clrMapOvr>
+    <a:masterClrMapping/>
+  </p:clrMapOvr>
+</p:sld>
+</file>
+
+<file path=ppt/slides/slide14.xml><?xml version="1.0" encoding="utf-8"?>
+<p:sld xmlns:a="http://schemas.openxmlformats.org/drawingml/2006/main" xmlns:r="http://schemas.openxmlformats.org/officeDocument/2006/relationships" xmlns:p="http://schemas.openxmlformats.org/presentationml/2006/main">
+  <p:cSld>
+    <p:spTree>
+      <p:nvGrpSpPr>
+        <p:cNvPr id="1" name=""/>
+        <p:cNvGrpSpPr/>
+        <p:nvPr/>
+      </p:nvGrpSpPr>
+      <p:grpSpPr>
+        <a:xfrm>
+          <a:off x="0" y="0"/>
+          <a:ext cx="0" cy="0"/>
+          <a:chOff x="0" y="0"/>
+          <a:chExt cx="0" cy="0"/>
+        </a:xfrm>
+      </p:grpSpPr>
+      <p:sp>
+        <p:nvSpPr>
+          <p:cNvPr id="2" name="Title 1">
+            <a:extLst>
+              <a:ext uri="{FF2B5EF4-FFF2-40B4-BE49-F238E27FC236}">
+                <a16:creationId xmlns:a16="http://schemas.microsoft.com/office/drawing/2014/main" id="{A2701C59-5421-6344-AAC3-86366BA4495A}"/>
+              </a:ext>
+            </a:extLst>
+          </p:cNvPr>
+          <p:cNvSpPr>
+            <a:spLocks noGrp="1"/>
+          </p:cNvSpPr>
+          <p:nvPr>
+            <p:ph type="ctrTitle"/>
+          </p:nvPr>
+        </p:nvSpPr>
+        <p:spPr/>
+        <p:txBody>
+          <a:bodyPr/>
+          <a:lstStyle/>
+          <a:p>
+            <a:r>
+              <a:rPr lang="en-US" b="1" dirty="0"/>
+              <a:t>Thank you!</a:t>
+            </a:r>
+          </a:p>
+        </p:txBody>
+      </p:sp>
+      <p:sp>
+        <p:nvSpPr>
+          <p:cNvPr id="3" name="Subtitle 2">
+            <a:extLst>
+              <a:ext uri="{FF2B5EF4-FFF2-40B4-BE49-F238E27FC236}">
+                <a16:creationId xmlns:a16="http://schemas.microsoft.com/office/drawing/2014/main" id="{C0A50274-A060-FEA0-B82A-2C8C9CB762FF}"/>
+              </a:ext>
+            </a:extLst>
+          </p:cNvPr>
+          <p:cNvSpPr>
+            <a:spLocks noGrp="1"/>
+          </p:cNvSpPr>
+          <p:nvPr>
+            <p:ph type="subTitle" idx="1"/>
+          </p:nvPr>
+        </p:nvSpPr>
+        <p:spPr>
+          <a:xfrm>
+            <a:off x="1524000" y="3493236"/>
+            <a:ext cx="9144000" cy="1655762"/>
+          </a:xfrm>
+        </p:spPr>
+        <p:txBody>
+          <a:bodyPr>
+            <a:normAutofit/>
+          </a:bodyPr>
+          <a:lstStyle/>
+          <a:p>
+            <a:r>
+              <a:rPr lang="en-US" sz="1800" b="1" dirty="0"/>
+              <a:t>Unions for All!</a:t>
+            </a:r>
+          </a:p>
+        </p:txBody>
+      </p:sp>
+    </p:spTree>
+    <p:extLst>
+      <p:ext uri="{BB962C8B-B14F-4D97-AF65-F5344CB8AC3E}">
+        <p14:creationId xmlns:p14="http://schemas.microsoft.com/office/powerpoint/2010/main" val="1543924787"/>
       </p:ext>
     </p:extLst>
   </p:cSld>
@@ -4081,61 +5787,87 @@
           <p:cNvPr id="2" name="Title 1">
             <a:extLst>
               <a:ext uri="{FF2B5EF4-FFF2-40B4-BE49-F238E27FC236}">
-                <a16:creationId xmlns:a16="http://schemas.microsoft.com/office/drawing/2014/main" id="{733586C0-0031-6BC5-BD6B-0B5DCB25AFA1}"/>
-              </a:ext>
-            </a:extLst>
-          </p:cNvPr>
-          <p:cNvSpPr>
-            <a:spLocks noGrp="1"/>
-          </p:cNvSpPr>
-          <p:nvPr>
-            <p:ph type="ctrTitle"/>
-          </p:nvPr>
-        </p:nvSpPr>
-        <p:spPr/>
-        <p:txBody>
-          <a:bodyPr/>
+                <a16:creationId xmlns:a16="http://schemas.microsoft.com/office/drawing/2014/main" id="{EF3DE629-B400-5A31-15E1-A6F2486FE997}"/>
+              </a:ext>
+            </a:extLst>
+          </p:cNvPr>
+          <p:cNvSpPr>
+            <a:spLocks noGrp="1"/>
+          </p:cNvSpPr>
+          <p:nvPr>
+            <p:ph type="title"/>
+          </p:nvPr>
+        </p:nvSpPr>
+        <p:spPr/>
+        <p:txBody>
+          <a:bodyPr/>
+          <a:lstStyle/>
+          <a:p>
+            <a:r>
+              <a:rPr lang="en-US" b="1" dirty="0"/>
+              <a:t>Introduction</a:t>
+            </a:r>
+          </a:p>
+        </p:txBody>
+      </p:sp>
+      <p:sp>
+        <p:nvSpPr>
+          <p:cNvPr id="3" name="Content Placeholder 2">
+            <a:extLst>
+              <a:ext uri="{FF2B5EF4-FFF2-40B4-BE49-F238E27FC236}">
+                <a16:creationId xmlns:a16="http://schemas.microsoft.com/office/drawing/2014/main" id="{07B663DF-8307-4CE6-5A59-8F620E82C77C}"/>
+              </a:ext>
+            </a:extLst>
+          </p:cNvPr>
+          <p:cNvSpPr>
+            <a:spLocks noGrp="1"/>
+          </p:cNvSpPr>
+          <p:nvPr>
+            <p:ph idx="1"/>
+          </p:nvPr>
+        </p:nvSpPr>
+        <p:spPr/>
+        <p:txBody>
+          <a:bodyPr>
+            <a:normAutofit/>
+          </a:bodyPr>
           <a:lstStyle/>
           <a:p>
             <a:r>
               <a:rPr lang="en-US" dirty="0"/>
-              <a:t>Union Worksite Meetings</a:t>
-            </a:r>
-          </a:p>
-        </p:txBody>
-      </p:sp>
-      <p:sp>
-        <p:nvSpPr>
-          <p:cNvPr id="3" name="Subtitle 2">
-            <a:extLst>
-              <a:ext uri="{FF2B5EF4-FFF2-40B4-BE49-F238E27FC236}">
-                <a16:creationId xmlns:a16="http://schemas.microsoft.com/office/drawing/2014/main" id="{E412BA2C-5B64-2715-1A06-503844729CBD}"/>
-              </a:ext>
-            </a:extLst>
-          </p:cNvPr>
-          <p:cNvSpPr>
-            <a:spLocks noGrp="1"/>
-          </p:cNvSpPr>
-          <p:nvPr>
-            <p:ph type="subTitle" idx="1"/>
-          </p:nvPr>
-        </p:nvSpPr>
-        <p:spPr/>
-        <p:txBody>
-          <a:bodyPr/>
-          <a:lstStyle/>
+              <a:t>I work as a Data Analyst at SEIU 32BJ, a labor union. We represent ~80,000 Janitors, Cleaners, Doormen, Security Guards, Window Cleaners, and other building workers in NYC. </a:t>
+            </a:r>
+          </a:p>
           <a:p>
             <a:r>
               <a:rPr lang="en-US" dirty="0"/>
-              <a:t>Guillermo Schneider</a:t>
-            </a:r>
+              <a:t>Our Union Representatives often organize group meetings with our members at their worksite (called Worksite Meetings). </a:t>
+            </a:r>
+          </a:p>
+          <a:p>
+            <a:r>
+              <a:rPr lang="en-US" sz="2800" dirty="0">
+                <a:effectLst/>
+              </a:rPr>
+              <a:t>By using our new app to scan member IDs, they’ve been gathering more accurate meeting attendance data for the past year.</a:t>
+            </a:r>
+            <a:endParaRPr lang="en-US" dirty="0"/>
+          </a:p>
+          <a:p>
+            <a:r>
+              <a:rPr lang="en-US" dirty="0"/>
+              <a:t>We’re curious if we can use this to can help predict expected turnout to Worksite Meetings.</a:t>
+            </a:r>
+          </a:p>
+          <a:p>
+            <a:endParaRPr lang="en-US" dirty="0"/>
           </a:p>
         </p:txBody>
       </p:sp>
     </p:spTree>
     <p:extLst>
       <p:ext uri="{BB962C8B-B14F-4D97-AF65-F5344CB8AC3E}">
-        <p14:creationId xmlns:p14="http://schemas.microsoft.com/office/powerpoint/2010/main" val="437230779"/>
+        <p14:creationId xmlns:p14="http://schemas.microsoft.com/office/powerpoint/2010/main" val="930490587"/>
       </p:ext>
     </p:extLst>
   </p:cSld>
@@ -4167,7 +5899,7 @@
           <p:cNvPr id="2" name="Title 1">
             <a:extLst>
               <a:ext uri="{FF2B5EF4-FFF2-40B4-BE49-F238E27FC236}">
-                <a16:creationId xmlns:a16="http://schemas.microsoft.com/office/drawing/2014/main" id="{EF3DE629-B400-5A31-15E1-A6F2486FE997}"/>
+                <a16:creationId xmlns:a16="http://schemas.microsoft.com/office/drawing/2014/main" id="{3BE71FE3-FF01-A34E-4511-2BB781D74800}"/>
               </a:ext>
             </a:extLst>
           </p:cNvPr>
@@ -4184,8 +5916,8 @@
           <a:lstStyle/>
           <a:p>
             <a:r>
-              <a:rPr lang="en-US" dirty="0"/>
-              <a:t>Abstract (no more than 300 words)</a:t>
+              <a:rPr lang="en-US" b="1" dirty="0"/>
+              <a:t>Research Question</a:t>
             </a:r>
           </a:p>
         </p:txBody>
@@ -4195,7 +5927,7 @@
           <p:cNvPr id="3" name="Content Placeholder 2">
             <a:extLst>
               <a:ext uri="{FF2B5EF4-FFF2-40B4-BE49-F238E27FC236}">
-                <a16:creationId xmlns:a16="http://schemas.microsoft.com/office/drawing/2014/main" id="{07B663DF-8307-4CE6-5A59-8F620E82C77C}"/>
+                <a16:creationId xmlns:a16="http://schemas.microsoft.com/office/drawing/2014/main" id="{3CA4C97E-233F-5604-F433-B853EA69A051}"/>
               </a:ext>
             </a:extLst>
           </p:cNvPr>
@@ -4206,19 +5938,72 @@
             <p:ph idx="1"/>
           </p:nvPr>
         </p:nvSpPr>
-        <p:spPr/>
-        <p:txBody>
-          <a:bodyPr/>
-          <a:lstStyle/>
-          <a:p>
-            <a:endParaRPr lang="en-US"/>
+        <p:spPr>
+          <a:xfrm>
+            <a:off x="838200" y="1690688"/>
+            <a:ext cx="10632541" cy="4351338"/>
+          </a:xfrm>
+        </p:spPr>
+        <p:txBody>
+          <a:bodyPr>
+            <a:normAutofit/>
+          </a:bodyPr>
+          <a:lstStyle/>
+          <a:p>
+            <a:pPr marL="0" indent="0">
+              <a:buNone/>
+            </a:pPr>
+            <a:r>
+              <a:rPr lang="en-US" sz="4000" dirty="0">
+                <a:effectLst/>
+              </a:rPr>
+              <a:t>Do buildings’ division, member count, and ADF (political) contributions influence turnout to worksite meetings?</a:t>
+            </a:r>
+            <a:endParaRPr lang="en-US" sz="4000" b="1" dirty="0">
+              <a:effectLst/>
+            </a:endParaRPr>
+          </a:p>
+          <a:p>
+            <a:pPr marL="0" indent="0">
+              <a:buNone/>
+            </a:pPr>
+            <a:endParaRPr lang="en-US" sz="4000" b="1" dirty="0"/>
+          </a:p>
+          <a:p>
+            <a:pPr marL="0" indent="0">
+              <a:buNone/>
+            </a:pPr>
+            <a:r>
+              <a:rPr lang="en-US" sz="4000" dirty="0"/>
+              <a:t>Turnout</a:t>
+            </a:r>
+            <a:r>
+              <a:rPr lang="en-US" sz="4000" b="1" dirty="0"/>
+              <a:t> ~ </a:t>
+            </a:r>
+            <a:r>
+              <a:rPr lang="en-US" sz="4000" i="1" dirty="0"/>
+              <a:t>Division + Members + ADF </a:t>
+            </a:r>
+          </a:p>
+          <a:p>
+            <a:pPr marL="0" indent="0">
+              <a:buNone/>
+            </a:pPr>
+            <a:endParaRPr lang="en-US" sz="4800" i="1" dirty="0"/>
+          </a:p>
+          <a:p>
+            <a:pPr marL="0" indent="0">
+              <a:buNone/>
+            </a:pPr>
+            <a:endParaRPr lang="en-US" sz="4800" i="1" dirty="0"/>
           </a:p>
         </p:txBody>
       </p:sp>
     </p:spTree>
     <p:extLst>
       <p:ext uri="{BB962C8B-B14F-4D97-AF65-F5344CB8AC3E}">
-        <p14:creationId xmlns:p14="http://schemas.microsoft.com/office/powerpoint/2010/main" val="930490587"/>
+        <p14:creationId xmlns:p14="http://schemas.microsoft.com/office/powerpoint/2010/main" val="299850724"/>
       </p:ext>
     </p:extLst>
   </p:cSld>
@@ -4250,7 +6035,7 @@
           <p:cNvPr id="2" name="Title 1">
             <a:extLst>
               <a:ext uri="{FF2B5EF4-FFF2-40B4-BE49-F238E27FC236}">
-                <a16:creationId xmlns:a16="http://schemas.microsoft.com/office/drawing/2014/main" id="{8C929CD2-6324-00B2-405B-6F37B5DF9DDC}"/>
+                <a16:creationId xmlns:a16="http://schemas.microsoft.com/office/drawing/2014/main" id="{5B36324C-D979-70EA-D1D3-7951CAED2C4D}"/>
               </a:ext>
             </a:extLst>
           </p:cNvPr>
@@ -4261,14 +6046,19 @@
             <p:ph type="title"/>
           </p:nvPr>
         </p:nvSpPr>
-        <p:spPr/>
-        <p:txBody>
-          <a:bodyPr/>
-          <a:lstStyle/>
-          <a:p>
-            <a:r>
-              <a:rPr lang="en-US" dirty="0"/>
-              <a:t>Overview slide </a:t>
+        <p:spPr>
+          <a:xfrm>
+            <a:off x="276884" y="365125"/>
+            <a:ext cx="5387936" cy="1325563"/>
+          </a:xfrm>
+        </p:spPr>
+        <p:txBody>
+          <a:bodyPr/>
+          <a:lstStyle/>
+          <a:p>
+            <a:r>
+              <a:rPr lang="en-US" b="1" dirty="0"/>
+              <a:t>Building Division Map</a:t>
             </a:r>
           </a:p>
         </p:txBody>
@@ -4278,7 +6068,7 @@
           <p:cNvPr id="3" name="Content Placeholder 2">
             <a:extLst>
               <a:ext uri="{FF2B5EF4-FFF2-40B4-BE49-F238E27FC236}">
-                <a16:creationId xmlns:a16="http://schemas.microsoft.com/office/drawing/2014/main" id="{DD6E0A75-62D6-C8F0-2704-6CE699DD6ED9}"/>
+                <a16:creationId xmlns:a16="http://schemas.microsoft.com/office/drawing/2014/main" id="{D366772C-4623-167A-ECBE-CAB8AE5460C3}"/>
               </a:ext>
             </a:extLst>
           </p:cNvPr>
@@ -4289,59 +6079,147 @@
             <p:ph idx="1"/>
           </p:nvPr>
         </p:nvSpPr>
-        <p:spPr/>
-        <p:txBody>
-          <a:bodyPr/>
-          <a:lstStyle/>
-          <a:p>
-            <a:pPr>
-              <a:buFont typeface="Arial" panose="020B0604020202020204" pitchFamily="34" charset="0"/>
-              <a:buChar char="•"/>
+        <p:spPr>
+          <a:xfrm>
+            <a:off x="90535" y="1690687"/>
+            <a:ext cx="10515600" cy="5167313"/>
+          </a:xfrm>
+        </p:spPr>
+        <p:txBody>
+          <a:bodyPr>
+            <a:normAutofit fontScale="55000" lnSpcReduction="20000"/>
+          </a:bodyPr>
+          <a:lstStyle/>
+          <a:p>
+            <a:r>
+              <a:rPr lang="en-US" sz="5100" dirty="0">
+                <a:solidFill>
+                  <a:schemeClr val="accent2">
+                    <a:lumMod val="75000"/>
+                  </a:schemeClr>
+                </a:solidFill>
+              </a:rPr>
+              <a:t>228 Commercial Worksite Meetings </a:t>
+            </a:r>
+          </a:p>
+          <a:p>
+            <a:r>
+              <a:rPr lang="en-US" sz="5100" dirty="0">
+                <a:solidFill>
+                  <a:srgbClr val="7030A0"/>
+                </a:solidFill>
+              </a:rPr>
+              <a:t>249 Residential Worksite Meetings</a:t>
+            </a:r>
+          </a:p>
+          <a:p>
+            <a:r>
+              <a:rPr lang="en-US" sz="5100" dirty="0">
+                <a:solidFill>
+                  <a:srgbClr val="00B0F0"/>
+                </a:solidFill>
+              </a:rPr>
+              <a:t>72 Schools Worksite Meetings</a:t>
+            </a:r>
+          </a:p>
+          <a:p>
+            <a:pPr marL="0" indent="0">
+              <a:buNone/>
             </a:pPr>
-            <a:r>
-              <a:rPr lang="en-US" dirty="0"/>
-              <a:t>Context on the data collection</a:t>
-            </a:r>
-          </a:p>
-          <a:p>
-            <a:pPr>
-              <a:buFont typeface="Arial" panose="020B0604020202020204" pitchFamily="34" charset="0"/>
-              <a:buChar char="•"/>
+            <a:endParaRPr lang="en-US" sz="5100" dirty="0"/>
+          </a:p>
+          <a:p>
+            <a:pPr marL="0" indent="0">
+              <a:buNone/>
             </a:pPr>
             <a:r>
-              <a:rPr lang="en-US" dirty="0"/>
-              <a:t>Description of the dependent variable (what is being measured)</a:t>
-            </a:r>
-          </a:p>
-          <a:p>
-            <a:pPr>
-              <a:buFont typeface="Arial" panose="020B0604020202020204" pitchFamily="34" charset="0"/>
-              <a:buChar char="•"/>
-            </a:pPr>
-            <a:r>
-              <a:rPr lang="en-US" dirty="0"/>
-              <a:t>Description of the independent variable (what is being measured; include at least 2 variables)</a:t>
-            </a:r>
-          </a:p>
-          <a:p>
-            <a:pPr>
-              <a:buFont typeface="Arial" panose="020B0604020202020204" pitchFamily="34" charset="0"/>
-              <a:buChar char="•"/>
-            </a:pPr>
-            <a:r>
-              <a:rPr lang="en-US" dirty="0"/>
-              <a:t>Research question</a:t>
+              <a:rPr lang="en-US" sz="5100" dirty="0"/>
+              <a:t>Notable Commercial Buildings:</a:t>
+            </a:r>
+          </a:p>
+          <a:p>
+            <a:r>
+              <a:rPr lang="en-US" sz="5100" dirty="0"/>
+              <a:t>Empire State Building</a:t>
+            </a:r>
+          </a:p>
+          <a:p>
+            <a:r>
+              <a:rPr lang="en-US" sz="5100" dirty="0"/>
+              <a:t>World Trade Center</a:t>
+            </a:r>
+          </a:p>
+          <a:p>
+            <a:r>
+              <a:rPr lang="en-US" sz="5100" dirty="0"/>
+              <a:t>Madison Square Garden</a:t>
+            </a:r>
+          </a:p>
+          <a:p>
+            <a:r>
+              <a:rPr lang="en-US" sz="5100" dirty="0"/>
+              <a:t>Penn Station</a:t>
+            </a:r>
+          </a:p>
+          <a:p>
+            <a:r>
+              <a:rPr lang="en-US" sz="5100" dirty="0"/>
+              <a:t>Barclays Center</a:t>
+            </a:r>
+          </a:p>
+          <a:p>
+            <a:r>
+              <a:rPr lang="en-US" sz="5100" dirty="0"/>
+              <a:t>The MoMA</a:t>
+            </a:r>
+          </a:p>
+          <a:p>
+            <a:r>
+              <a:rPr lang="en-US" sz="5100" dirty="0"/>
+              <a:t>Broadway Theatre(s)</a:t>
             </a:r>
           </a:p>
           <a:p>
             <a:endParaRPr lang="en-US" dirty="0"/>
           </a:p>
-        </p:txBody>
-      </p:sp>
+          <a:p>
+            <a:endParaRPr lang="en-US" dirty="0"/>
+          </a:p>
+        </p:txBody>
+      </p:sp>
+      <p:pic>
+        <p:nvPicPr>
+          <p:cNvPr id="7" name="Picture 6">
+            <a:extLst>
+              <a:ext uri="{FF2B5EF4-FFF2-40B4-BE49-F238E27FC236}">
+                <a16:creationId xmlns:a16="http://schemas.microsoft.com/office/drawing/2014/main" id="{47B97BED-77CF-57BF-EA21-24F53A2FF547}"/>
+              </a:ext>
+            </a:extLst>
+          </p:cNvPr>
+          <p:cNvPicPr>
+            <a:picLocks noChangeAspect="1"/>
+          </p:cNvPicPr>
+          <p:nvPr/>
+        </p:nvPicPr>
+        <p:blipFill>
+          <a:blip r:embed="rId3"/>
+          <a:srcRect l="25379"/>
+          <a:stretch/>
+        </p:blipFill>
+        <p:spPr>
+          <a:xfrm>
+            <a:off x="5898995" y="0"/>
+            <a:ext cx="6392593" cy="6858000"/>
+          </a:xfrm>
+          <a:prstGeom prst="rect">
+            <a:avLst/>
+          </a:prstGeom>
+        </p:spPr>
+      </p:pic>
     </p:spTree>
     <p:extLst>
       <p:ext uri="{BB962C8B-B14F-4D97-AF65-F5344CB8AC3E}">
-        <p14:creationId xmlns:p14="http://schemas.microsoft.com/office/powerpoint/2010/main" val="3516955260"/>
+        <p14:creationId xmlns:p14="http://schemas.microsoft.com/office/powerpoint/2010/main" val="3802336887"/>
       </p:ext>
     </p:extLst>
   </p:cSld>
@@ -4373,7 +6251,7 @@
           <p:cNvPr id="2" name="Title 1">
             <a:extLst>
               <a:ext uri="{FF2B5EF4-FFF2-40B4-BE49-F238E27FC236}">
-                <a16:creationId xmlns:a16="http://schemas.microsoft.com/office/drawing/2014/main" id="{D57FEB4B-72E4-0571-676E-FFE599266627}"/>
+                <a16:creationId xmlns:a16="http://schemas.microsoft.com/office/drawing/2014/main" id="{5353B3DF-C97C-8588-5BF0-6A7EC863EA61}"/>
               </a:ext>
             </a:extLst>
           </p:cNvPr>
@@ -4390,44 +6268,75 @@
           <a:lstStyle/>
           <a:p>
             <a:r>
-              <a:rPr lang="en-US" dirty="0"/>
-              <a:t>Summary statistics</a:t>
-            </a:r>
-          </a:p>
-        </p:txBody>
-      </p:sp>
-      <p:sp>
-        <p:nvSpPr>
-          <p:cNvPr id="3" name="Content Placeholder 2">
-            <a:extLst>
-              <a:ext uri="{FF2B5EF4-FFF2-40B4-BE49-F238E27FC236}">
-                <a16:creationId xmlns:a16="http://schemas.microsoft.com/office/drawing/2014/main" id="{E9E83A6F-FAAD-4955-C890-A43F914900FC}"/>
-              </a:ext>
-            </a:extLst>
-          </p:cNvPr>
-          <p:cNvSpPr>
-            <a:spLocks noGrp="1"/>
-          </p:cNvSpPr>
+              <a:rPr lang="en-US" b="1" dirty="0"/>
+              <a:t>Member Count</a:t>
+            </a:r>
+          </a:p>
+        </p:txBody>
+      </p:sp>
+      <p:pic>
+        <p:nvPicPr>
+          <p:cNvPr id="5" name="Content Placeholder 4">
+            <a:extLst>
+              <a:ext uri="{FF2B5EF4-FFF2-40B4-BE49-F238E27FC236}">
+                <a16:creationId xmlns:a16="http://schemas.microsoft.com/office/drawing/2014/main" id="{25DD1086-CDF9-D857-A13C-14B1147F6A1F}"/>
+              </a:ext>
+            </a:extLst>
+          </p:cNvPr>
+          <p:cNvPicPr>
+            <a:picLocks noGrp="1" noChangeAspect="1"/>
+          </p:cNvPicPr>
           <p:nvPr>
             <p:ph idx="1"/>
           </p:nvPr>
-        </p:nvSpPr>
-        <p:spPr/>
-        <p:txBody>
-          <a:bodyPr/>
-          <a:lstStyle/>
-          <a:p>
-            <a:r>
-              <a:rPr lang="en-US" dirty="0"/>
-              <a:t>Include appropriate data visualizations.</a:t>
-            </a:r>
-          </a:p>
-        </p:txBody>
-      </p:sp>
+        </p:nvPicPr>
+        <p:blipFill>
+          <a:blip r:embed="rId3"/>
+          <a:stretch>
+            <a:fillRect/>
+          </a:stretch>
+        </p:blipFill>
+        <p:spPr>
+          <a:xfrm>
+            <a:off x="838200" y="1237261"/>
+            <a:ext cx="9033268" cy="5522708"/>
+          </a:xfrm>
+        </p:spPr>
+      </p:pic>
+      <p:pic>
+        <p:nvPicPr>
+          <p:cNvPr id="7" name="Picture 6">
+            <a:extLst>
+              <a:ext uri="{FF2B5EF4-FFF2-40B4-BE49-F238E27FC236}">
+                <a16:creationId xmlns:a16="http://schemas.microsoft.com/office/drawing/2014/main" id="{FB62A4A0-AB84-D150-AEC1-F66B30429199}"/>
+              </a:ext>
+            </a:extLst>
+          </p:cNvPr>
+          <p:cNvPicPr>
+            <a:picLocks noChangeAspect="1"/>
+          </p:cNvPicPr>
+          <p:nvPr/>
+        </p:nvPicPr>
+        <p:blipFill>
+          <a:blip r:embed="rId4"/>
+          <a:stretch>
+            <a:fillRect/>
+          </a:stretch>
+        </p:blipFill>
+        <p:spPr>
+          <a:xfrm>
+            <a:off x="4884940" y="814038"/>
+            <a:ext cx="4897709" cy="503274"/>
+          </a:xfrm>
+          <a:prstGeom prst="rect">
+            <a:avLst/>
+          </a:prstGeom>
+        </p:spPr>
+      </p:pic>
     </p:spTree>
     <p:extLst>
       <p:ext uri="{BB962C8B-B14F-4D97-AF65-F5344CB8AC3E}">
-        <p14:creationId xmlns:p14="http://schemas.microsoft.com/office/powerpoint/2010/main" val="729299910"/>
+        <p14:creationId xmlns:p14="http://schemas.microsoft.com/office/powerpoint/2010/main" val="993197407"/>
       </p:ext>
     </p:extLst>
   </p:cSld>
@@ -4459,7 +6368,7 @@
           <p:cNvPr id="2" name="Title 1">
             <a:extLst>
               <a:ext uri="{FF2B5EF4-FFF2-40B4-BE49-F238E27FC236}">
-                <a16:creationId xmlns:a16="http://schemas.microsoft.com/office/drawing/2014/main" id="{D985DA75-AC0D-27E7-E7E5-40CA94A76AE1}"/>
+                <a16:creationId xmlns:a16="http://schemas.microsoft.com/office/drawing/2014/main" id="{2C3B2DCC-1F9D-C549-9E7F-BD5933999D93}"/>
               </a:ext>
             </a:extLst>
           </p:cNvPr>
@@ -4476,71 +6385,136 @@
           <a:lstStyle/>
           <a:p>
             <a:r>
-              <a:rPr lang="en-US" dirty="0"/>
-              <a:t>Statistical output </a:t>
-            </a:r>
-          </a:p>
-        </p:txBody>
-      </p:sp>
-      <p:sp>
-        <p:nvSpPr>
-          <p:cNvPr id="3" name="Content Placeholder 2">
-            <a:extLst>
-              <a:ext uri="{FF2B5EF4-FFF2-40B4-BE49-F238E27FC236}">
-                <a16:creationId xmlns:a16="http://schemas.microsoft.com/office/drawing/2014/main" id="{9435BFDB-BFF0-BF2E-5486-38082E173D48}"/>
-              </a:ext>
-            </a:extLst>
-          </p:cNvPr>
-          <p:cNvSpPr>
-            <a:spLocks noGrp="1"/>
-          </p:cNvSpPr>
-          <p:nvPr>
-            <p:ph idx="1"/>
-          </p:nvPr>
-        </p:nvSpPr>
-        <p:spPr/>
-        <p:txBody>
-          <a:bodyPr/>
-          <a:lstStyle/>
-          <a:p>
-            <a:pPr>
-              <a:buFont typeface="Arial" panose="020B0604020202020204" pitchFamily="34" charset="0"/>
-              <a:buChar char="•"/>
-            </a:pPr>
-            <a:r>
-              <a:rPr lang="en-US" dirty="0"/>
-              <a:t>Include the appropriate statistics for your method used.</a:t>
-            </a:r>
-          </a:p>
-          <a:p>
-            <a:pPr>
-              <a:buFont typeface="Arial" panose="020B0604020202020204" pitchFamily="34" charset="0"/>
-              <a:buChar char="•"/>
-            </a:pPr>
-            <a:r>
-              <a:rPr lang="en-US" dirty="0"/>
-              <a:t>For null hypothesis tests (e.g. t-test, chi-squared, ANOVA, etc.), state the null and alternative hypotheses along with relevant statistic and p-value (and confidence interval if appropriate).</a:t>
-            </a:r>
-          </a:p>
-          <a:p>
-            <a:pPr>
-              <a:buFont typeface="Arial" panose="020B0604020202020204" pitchFamily="34" charset="0"/>
-              <a:buChar char="•"/>
-            </a:pPr>
-            <a:r>
-              <a:rPr lang="en-US" dirty="0"/>
-              <a:t>For regression models, include the regression output and interpret the R-squared value.</a:t>
-            </a:r>
-          </a:p>
-          <a:p>
-            <a:endParaRPr lang="en-US" dirty="0"/>
-          </a:p>
-        </p:txBody>
-      </p:sp>
+              <a:rPr lang="en-US" b="1" dirty="0"/>
+              <a:t>ADF (American Dream Fund)</a:t>
+            </a:r>
+          </a:p>
+        </p:txBody>
+      </p:sp>
+      <p:pic>
+        <p:nvPicPr>
+          <p:cNvPr id="5" name="Picture 4">
+            <a:extLst>
+              <a:ext uri="{FF2B5EF4-FFF2-40B4-BE49-F238E27FC236}">
+                <a16:creationId xmlns:a16="http://schemas.microsoft.com/office/drawing/2014/main" id="{567FD03E-833C-60C5-ED33-DC2269B5AAC0}"/>
+              </a:ext>
+            </a:extLst>
+          </p:cNvPr>
+          <p:cNvPicPr>
+            <a:picLocks noChangeAspect="1"/>
+          </p:cNvPicPr>
+          <p:nvPr/>
+        </p:nvPicPr>
+        <p:blipFill>
+          <a:blip r:embed="rId3"/>
+          <a:stretch>
+            <a:fillRect/>
+          </a:stretch>
+        </p:blipFill>
+        <p:spPr>
+          <a:xfrm>
+            <a:off x="5992061" y="1936729"/>
+            <a:ext cx="6061331" cy="3705742"/>
+          </a:xfrm>
+          <a:prstGeom prst="rect">
+            <a:avLst/>
+          </a:prstGeom>
+        </p:spPr>
+      </p:pic>
+      <p:pic>
+        <p:nvPicPr>
+          <p:cNvPr id="7" name="Picture 6">
+            <a:extLst>
+              <a:ext uri="{FF2B5EF4-FFF2-40B4-BE49-F238E27FC236}">
+                <a16:creationId xmlns:a16="http://schemas.microsoft.com/office/drawing/2014/main" id="{EF760415-EE04-7558-5B8A-E5AE59D13A38}"/>
+              </a:ext>
+            </a:extLst>
+          </p:cNvPr>
+          <p:cNvPicPr>
+            <a:picLocks noChangeAspect="1"/>
+          </p:cNvPicPr>
+          <p:nvPr/>
+        </p:nvPicPr>
+        <p:blipFill>
+          <a:blip r:embed="rId4"/>
+          <a:stretch>
+            <a:fillRect/>
+          </a:stretch>
+        </p:blipFill>
+        <p:spPr>
+          <a:xfrm>
+            <a:off x="6592952" y="5642471"/>
+            <a:ext cx="4859547" cy="447126"/>
+          </a:xfrm>
+          <a:prstGeom prst="rect">
+            <a:avLst/>
+          </a:prstGeom>
+        </p:spPr>
+      </p:pic>
+      <p:pic>
+        <p:nvPicPr>
+          <p:cNvPr id="9" name="Picture 8">
+            <a:extLst>
+              <a:ext uri="{FF2B5EF4-FFF2-40B4-BE49-F238E27FC236}">
+                <a16:creationId xmlns:a16="http://schemas.microsoft.com/office/drawing/2014/main" id="{BBDD83C8-CFD2-2F3D-CA97-3D8EEAF7DB8D}"/>
+              </a:ext>
+            </a:extLst>
+          </p:cNvPr>
+          <p:cNvPicPr>
+            <a:picLocks noChangeAspect="1"/>
+          </p:cNvPicPr>
+          <p:nvPr/>
+        </p:nvPicPr>
+        <p:blipFill>
+          <a:blip r:embed="rId5"/>
+          <a:stretch>
+            <a:fillRect/>
+          </a:stretch>
+        </p:blipFill>
+        <p:spPr>
+          <a:xfrm>
+            <a:off x="0" y="1854715"/>
+            <a:ext cx="5992061" cy="3705742"/>
+          </a:xfrm>
+          <a:prstGeom prst="rect">
+            <a:avLst/>
+          </a:prstGeom>
+        </p:spPr>
+      </p:pic>
+      <p:pic>
+        <p:nvPicPr>
+          <p:cNvPr id="11" name="Picture 10">
+            <a:extLst>
+              <a:ext uri="{FF2B5EF4-FFF2-40B4-BE49-F238E27FC236}">
+                <a16:creationId xmlns:a16="http://schemas.microsoft.com/office/drawing/2014/main" id="{1B222C77-E9F9-4419-13F7-017B6DE6B0F8}"/>
+              </a:ext>
+            </a:extLst>
+          </p:cNvPr>
+          <p:cNvPicPr>
+            <a:picLocks noChangeAspect="1"/>
+          </p:cNvPicPr>
+          <p:nvPr/>
+        </p:nvPicPr>
+        <p:blipFill>
+          <a:blip r:embed="rId6"/>
+          <a:stretch>
+            <a:fillRect/>
+          </a:stretch>
+        </p:blipFill>
+        <p:spPr>
+          <a:xfrm>
+            <a:off x="920458" y="5620337"/>
+            <a:ext cx="4151146" cy="469260"/>
+          </a:xfrm>
+          <a:prstGeom prst="rect">
+            <a:avLst/>
+          </a:prstGeom>
+        </p:spPr>
+      </p:pic>
     </p:spTree>
     <p:extLst>
       <p:ext uri="{BB962C8B-B14F-4D97-AF65-F5344CB8AC3E}">
-        <p14:creationId xmlns:p14="http://schemas.microsoft.com/office/powerpoint/2010/main" val="996374813"/>
+        <p14:creationId xmlns:p14="http://schemas.microsoft.com/office/powerpoint/2010/main" val="1612395150"/>
       </p:ext>
     </p:extLst>
   </p:cSld>
@@ -4551,6 +6525,401 @@
 </file>
 
 <file path=ppt/slides/slide7.xml><?xml version="1.0" encoding="utf-8"?>
+<p:sld xmlns:a="http://schemas.openxmlformats.org/drawingml/2006/main" xmlns:r="http://schemas.openxmlformats.org/officeDocument/2006/relationships" xmlns:p="http://schemas.openxmlformats.org/presentationml/2006/main">
+  <p:cSld>
+    <p:bg>
+      <p:bgPr>
+        <a:solidFill>
+          <a:schemeClr val="bg1"/>
+        </a:solidFill>
+        <a:effectLst/>
+      </p:bgPr>
+    </p:bg>
+    <p:spTree>
+      <p:nvGrpSpPr>
+        <p:cNvPr id="1" name=""/>
+        <p:cNvGrpSpPr/>
+        <p:nvPr/>
+      </p:nvGrpSpPr>
+      <p:grpSpPr>
+        <a:xfrm>
+          <a:off x="0" y="0"/>
+          <a:ext cx="0" cy="0"/>
+          <a:chOff x="0" y="0"/>
+          <a:chExt cx="0" cy="0"/>
+        </a:xfrm>
+      </p:grpSpPr>
+      <p:sp useBgFill="1">
+        <p:nvSpPr>
+          <p:cNvPr id="16" name="Rectangle 15">
+            <a:extLst>
+              <a:ext uri="{FF2B5EF4-FFF2-40B4-BE49-F238E27FC236}">
+                <a16:creationId xmlns:a16="http://schemas.microsoft.com/office/drawing/2014/main" id="{99ED5833-B85B-4103-8A3B-CAB0308E6C15}"/>
+              </a:ext>
+              <a:ext uri="{C183D7F6-B498-43B3-948B-1728B52AA6E4}">
+                <adec:decorative xmlns:adec="http://schemas.microsoft.com/office/drawing/2017/decorative" val="1"/>
+              </a:ext>
+            </a:extLst>
+          </p:cNvPr>
+          <p:cNvSpPr>
+            <a:spLocks noGrp="1" noRot="1" noChangeAspect="1" noMove="1" noResize="1" noEditPoints="1" noAdjustHandles="1" noChangeArrowheads="1" noChangeShapeType="1" noTextEdit="1"/>
+          </p:cNvSpPr>
+          <p:nvPr>
+            <p:extLst>
+              <p:ext uri="{386F3935-93C4-4BCD-93E2-E3B085C9AB24}">
+                <p16:designElem xmlns:p16="http://schemas.microsoft.com/office/powerpoint/2015/main" val="1"/>
+              </p:ext>
+            </p:extLst>
+          </p:nvPr>
+        </p:nvSpPr>
+        <p:spPr>
+          <a:xfrm>
+            <a:off x="-1" y="0"/>
+            <a:ext cx="12188952" cy="6858000"/>
+          </a:xfrm>
+          <a:prstGeom prst="rect">
+            <a:avLst/>
+          </a:prstGeom>
+          <a:ln>
+            <a:noFill/>
+          </a:ln>
+        </p:spPr>
+        <p:style>
+          <a:lnRef idx="2">
+            <a:schemeClr val="accent1">
+              <a:shade val="50000"/>
+            </a:schemeClr>
+          </a:lnRef>
+          <a:fillRef idx="1">
+            <a:schemeClr val="accent1"/>
+          </a:fillRef>
+          <a:effectRef idx="0">
+            <a:schemeClr val="accent1"/>
+          </a:effectRef>
+          <a:fontRef idx="minor">
+            <a:schemeClr val="lt1"/>
+          </a:fontRef>
+        </p:style>
+        <p:txBody>
+          <a:bodyPr rtlCol="0" anchor="ctr"/>
+          <a:lstStyle/>
+          <a:p>
+            <a:pPr algn="ctr"/>
+            <a:endParaRPr lang="en-US"/>
+          </a:p>
+        </p:txBody>
+      </p:sp>
+      <p:sp>
+        <p:nvSpPr>
+          <p:cNvPr id="2" name="Title 1">
+            <a:extLst>
+              <a:ext uri="{FF2B5EF4-FFF2-40B4-BE49-F238E27FC236}">
+                <a16:creationId xmlns:a16="http://schemas.microsoft.com/office/drawing/2014/main" id="{80E6B878-91C3-834F-E717-5D4A75DC3A0D}"/>
+              </a:ext>
+            </a:extLst>
+          </p:cNvPr>
+          <p:cNvSpPr>
+            <a:spLocks noGrp="1"/>
+          </p:cNvSpPr>
+          <p:nvPr>
+            <p:ph type="title"/>
+          </p:nvPr>
+        </p:nvSpPr>
+        <p:spPr>
+          <a:xfrm>
+            <a:off x="838200" y="365125"/>
+            <a:ext cx="10515600" cy="1860400"/>
+          </a:xfrm>
+        </p:spPr>
+        <p:txBody>
+          <a:bodyPr vert="horz" lIns="91440" tIns="45720" rIns="91440" bIns="45720" rtlCol="0" anchor="ctr">
+            <a:normAutofit/>
+          </a:bodyPr>
+          <a:lstStyle/>
+          <a:p>
+            <a:r>
+              <a:rPr lang="en-US" b="1" kern="1200" dirty="0">
+                <a:solidFill>
+                  <a:schemeClr val="tx1"/>
+                </a:solidFill>
+                <a:latin typeface="+mj-lt"/>
+                <a:ea typeface="+mj-ea"/>
+                <a:cs typeface="+mj-cs"/>
+              </a:rPr>
+              <a:t>Turnout by Building Division</a:t>
+            </a:r>
+          </a:p>
+        </p:txBody>
+      </p:sp>
+      <p:pic>
+        <p:nvPicPr>
+          <p:cNvPr id="11" name="Picture 10">
+            <a:extLst>
+              <a:ext uri="{FF2B5EF4-FFF2-40B4-BE49-F238E27FC236}">
+                <a16:creationId xmlns:a16="http://schemas.microsoft.com/office/drawing/2014/main" id="{F0C126AF-1354-7308-FEA3-FB9EE5B47DA4}"/>
+              </a:ext>
+            </a:extLst>
+          </p:cNvPr>
+          <p:cNvPicPr>
+            <a:picLocks noChangeAspect="1"/>
+          </p:cNvPicPr>
+          <p:nvPr/>
+        </p:nvPicPr>
+        <p:blipFill>
+          <a:blip r:embed="rId3"/>
+          <a:stretch>
+            <a:fillRect/>
+          </a:stretch>
+        </p:blipFill>
+        <p:spPr>
+          <a:xfrm>
+            <a:off x="177122" y="1963502"/>
+            <a:ext cx="5828261" cy="3671804"/>
+          </a:xfrm>
+          <a:prstGeom prst="rect">
+            <a:avLst/>
+          </a:prstGeom>
+        </p:spPr>
+      </p:pic>
+      <p:pic>
+        <p:nvPicPr>
+          <p:cNvPr id="9" name="Picture 8">
+            <a:extLst>
+              <a:ext uri="{FF2B5EF4-FFF2-40B4-BE49-F238E27FC236}">
+                <a16:creationId xmlns:a16="http://schemas.microsoft.com/office/drawing/2014/main" id="{AEFE9479-4700-DE1A-36F5-BFC16B246B95}"/>
+              </a:ext>
+            </a:extLst>
+          </p:cNvPr>
+          <p:cNvPicPr>
+            <a:picLocks noChangeAspect="1"/>
+          </p:cNvPicPr>
+          <p:nvPr/>
+        </p:nvPicPr>
+        <p:blipFill>
+          <a:blip r:embed="rId4"/>
+          <a:stretch>
+            <a:fillRect/>
+          </a:stretch>
+        </p:blipFill>
+        <p:spPr>
+          <a:xfrm>
+            <a:off x="6120768" y="2036355"/>
+            <a:ext cx="5828261" cy="3526098"/>
+          </a:xfrm>
+          <a:prstGeom prst="rect">
+            <a:avLst/>
+          </a:prstGeom>
+        </p:spPr>
+      </p:pic>
+    </p:spTree>
+    <p:extLst>
+      <p:ext uri="{BB962C8B-B14F-4D97-AF65-F5344CB8AC3E}">
+        <p14:creationId xmlns:p14="http://schemas.microsoft.com/office/powerpoint/2010/main" val="3702295547"/>
+      </p:ext>
+    </p:extLst>
+  </p:cSld>
+  <p:clrMapOvr>
+    <a:masterClrMapping/>
+  </p:clrMapOvr>
+</p:sld>
+</file>
+
+<file path=ppt/slides/slide8.xml><?xml version="1.0" encoding="utf-8"?>
+<p:sld xmlns:a="http://schemas.openxmlformats.org/drawingml/2006/main" xmlns:r="http://schemas.openxmlformats.org/officeDocument/2006/relationships" xmlns:p="http://schemas.openxmlformats.org/presentationml/2006/main">
+  <p:cSld>
+    <p:bg>
+      <p:bgPr>
+        <a:solidFill>
+          <a:schemeClr val="bg1"/>
+        </a:solidFill>
+        <a:effectLst/>
+      </p:bgPr>
+    </p:bg>
+    <p:spTree>
+      <p:nvGrpSpPr>
+        <p:cNvPr id="1" name=""/>
+        <p:cNvGrpSpPr/>
+        <p:nvPr/>
+      </p:nvGrpSpPr>
+      <p:grpSpPr>
+        <a:xfrm>
+          <a:off x="0" y="0"/>
+          <a:ext cx="0" cy="0"/>
+          <a:chOff x="0" y="0"/>
+          <a:chExt cx="0" cy="0"/>
+        </a:xfrm>
+      </p:grpSpPr>
+      <p:sp useBgFill="1">
+        <p:nvSpPr>
+          <p:cNvPr id="14" name="Rectangle 13">
+            <a:extLst>
+              <a:ext uri="{FF2B5EF4-FFF2-40B4-BE49-F238E27FC236}">
+                <a16:creationId xmlns:a16="http://schemas.microsoft.com/office/drawing/2014/main" id="{99ED5833-B85B-4103-8A3B-CAB0308E6C15}"/>
+              </a:ext>
+              <a:ext uri="{C183D7F6-B498-43B3-948B-1728B52AA6E4}">
+                <adec:decorative xmlns:adec="http://schemas.microsoft.com/office/drawing/2017/decorative" val="1"/>
+              </a:ext>
+            </a:extLst>
+          </p:cNvPr>
+          <p:cNvSpPr>
+            <a:spLocks noGrp="1" noRot="1" noChangeAspect="1" noMove="1" noResize="1" noEditPoints="1" noAdjustHandles="1" noChangeArrowheads="1" noChangeShapeType="1" noTextEdit="1"/>
+          </p:cNvSpPr>
+          <p:nvPr>
+            <p:extLst>
+              <p:ext uri="{386F3935-93C4-4BCD-93E2-E3B085C9AB24}">
+                <p16:designElem xmlns:p16="http://schemas.microsoft.com/office/powerpoint/2015/main" val="1"/>
+              </p:ext>
+            </p:extLst>
+          </p:nvPr>
+        </p:nvSpPr>
+        <p:spPr>
+          <a:xfrm>
+            <a:off x="-1" y="0"/>
+            <a:ext cx="12188952" cy="6858000"/>
+          </a:xfrm>
+          <a:prstGeom prst="rect">
+            <a:avLst/>
+          </a:prstGeom>
+          <a:ln>
+            <a:noFill/>
+          </a:ln>
+        </p:spPr>
+        <p:style>
+          <a:lnRef idx="2">
+            <a:schemeClr val="accent1">
+              <a:shade val="50000"/>
+            </a:schemeClr>
+          </a:lnRef>
+          <a:fillRef idx="1">
+            <a:schemeClr val="accent1"/>
+          </a:fillRef>
+          <a:effectRef idx="0">
+            <a:schemeClr val="accent1"/>
+          </a:effectRef>
+          <a:fontRef idx="minor">
+            <a:schemeClr val="lt1"/>
+          </a:fontRef>
+        </p:style>
+        <p:txBody>
+          <a:bodyPr rtlCol="0" anchor="ctr"/>
+          <a:lstStyle/>
+          <a:p>
+            <a:pPr algn="ctr"/>
+            <a:endParaRPr lang="en-US"/>
+          </a:p>
+        </p:txBody>
+      </p:sp>
+      <p:sp>
+        <p:nvSpPr>
+          <p:cNvPr id="2" name="Title 1">
+            <a:extLst>
+              <a:ext uri="{FF2B5EF4-FFF2-40B4-BE49-F238E27FC236}">
+                <a16:creationId xmlns:a16="http://schemas.microsoft.com/office/drawing/2014/main" id="{5B8998A2-6C8A-6A7E-BF49-29BB5147781A}"/>
+              </a:ext>
+            </a:extLst>
+          </p:cNvPr>
+          <p:cNvSpPr>
+            <a:spLocks noGrp="1"/>
+          </p:cNvSpPr>
+          <p:nvPr>
+            <p:ph type="title"/>
+          </p:nvPr>
+        </p:nvSpPr>
+        <p:spPr>
+          <a:xfrm>
+            <a:off x="1198181" y="560881"/>
+            <a:ext cx="9795638" cy="1114380"/>
+          </a:xfrm>
+        </p:spPr>
+        <p:txBody>
+          <a:bodyPr vert="horz" lIns="91440" tIns="45720" rIns="91440" bIns="45720" rtlCol="0" anchor="b">
+            <a:normAutofit/>
+          </a:bodyPr>
+          <a:lstStyle/>
+          <a:p>
+            <a:pPr algn="ctr"/>
+            <a:r>
+              <a:rPr lang="en-US" b="1" dirty="0"/>
+              <a:t>Turnout Percentage vs ADF Percentage </a:t>
+            </a:r>
+            <a:endParaRPr lang="en-US" b="1"/>
+          </a:p>
+        </p:txBody>
+      </p:sp>
+      <p:pic>
+        <p:nvPicPr>
+          <p:cNvPr id="9" name="Picture 8">
+            <a:extLst>
+              <a:ext uri="{FF2B5EF4-FFF2-40B4-BE49-F238E27FC236}">
+                <a16:creationId xmlns:a16="http://schemas.microsoft.com/office/drawing/2014/main" id="{C59DD00C-4565-5945-540A-A7453BDA6C36}"/>
+              </a:ext>
+            </a:extLst>
+          </p:cNvPr>
+          <p:cNvPicPr>
+            <a:picLocks noChangeAspect="1"/>
+          </p:cNvPicPr>
+          <p:nvPr/>
+        </p:nvPicPr>
+        <p:blipFill>
+          <a:blip r:embed="rId3"/>
+          <a:stretch>
+            <a:fillRect/>
+          </a:stretch>
+        </p:blipFill>
+        <p:spPr>
+          <a:xfrm>
+            <a:off x="329765" y="2236141"/>
+            <a:ext cx="5531198" cy="3443171"/>
+          </a:xfrm>
+          <a:prstGeom prst="rect">
+            <a:avLst/>
+          </a:prstGeom>
+        </p:spPr>
+      </p:pic>
+      <p:pic>
+        <p:nvPicPr>
+          <p:cNvPr id="7" name="Picture 6">
+            <a:extLst>
+              <a:ext uri="{FF2B5EF4-FFF2-40B4-BE49-F238E27FC236}">
+                <a16:creationId xmlns:a16="http://schemas.microsoft.com/office/drawing/2014/main" id="{B954DF6A-1D78-309D-5C75-960272404186}"/>
+              </a:ext>
+            </a:extLst>
+          </p:cNvPr>
+          <p:cNvPicPr>
+            <a:picLocks noChangeAspect="1"/>
+          </p:cNvPicPr>
+          <p:nvPr/>
+        </p:nvPicPr>
+        <p:blipFill>
+          <a:blip r:embed="rId4"/>
+          <a:stretch>
+            <a:fillRect/>
+          </a:stretch>
+        </p:blipFill>
+        <p:spPr>
+          <a:xfrm>
+            <a:off x="5860963" y="2284538"/>
+            <a:ext cx="5531199" cy="3346376"/>
+          </a:xfrm>
+          <a:prstGeom prst="rect">
+            <a:avLst/>
+          </a:prstGeom>
+        </p:spPr>
+      </p:pic>
+    </p:spTree>
+    <p:extLst>
+      <p:ext uri="{BB962C8B-B14F-4D97-AF65-F5344CB8AC3E}">
+        <p14:creationId xmlns:p14="http://schemas.microsoft.com/office/powerpoint/2010/main" val="153658370"/>
+      </p:ext>
+    </p:extLst>
+  </p:cSld>
+  <p:clrMapOvr>
+    <a:masterClrMapping/>
+  </p:clrMapOvr>
+</p:sld>
+</file>
+
+<file path=ppt/slides/slide9.xml><?xml version="1.0" encoding="utf-8"?>
 <p:sld xmlns:a="http://schemas.openxmlformats.org/drawingml/2006/main" xmlns:r="http://schemas.openxmlformats.org/officeDocument/2006/relationships" xmlns:p="http://schemas.openxmlformats.org/presentationml/2006/main">
   <p:cSld>
     <p:spTree>
@@ -4572,7 +6941,7 @@
           <p:cNvPr id="2" name="Title 1">
             <a:extLst>
               <a:ext uri="{FF2B5EF4-FFF2-40B4-BE49-F238E27FC236}">
-                <a16:creationId xmlns:a16="http://schemas.microsoft.com/office/drawing/2014/main" id="{5953D83F-2B4E-CFB4-4270-93547AD16B0F}"/>
+                <a16:creationId xmlns:a16="http://schemas.microsoft.com/office/drawing/2014/main" id="{FAE8F5E9-A863-6DFE-A587-F280B711B397}"/>
               </a:ext>
             </a:extLst>
           </p:cNvPr>
@@ -4589,61 +6958,136 @@
           <a:lstStyle/>
           <a:p>
             <a:r>
-              <a:rPr lang="en-US" dirty="0"/>
-              <a:t>Conclusion </a:t>
-            </a:r>
-          </a:p>
-        </p:txBody>
-      </p:sp>
-      <p:sp>
-        <p:nvSpPr>
-          <p:cNvPr id="3" name="Content Placeholder 2">
-            <a:extLst>
-              <a:ext uri="{FF2B5EF4-FFF2-40B4-BE49-F238E27FC236}">
-                <a16:creationId xmlns:a16="http://schemas.microsoft.com/office/drawing/2014/main" id="{68B13891-2435-40D1-D3B6-0D61B8A93C0A}"/>
-              </a:ext>
-            </a:extLst>
-          </p:cNvPr>
-          <p:cNvSpPr>
-            <a:spLocks noGrp="1"/>
-          </p:cNvSpPr>
-          <p:nvPr>
-            <p:ph idx="1"/>
-          </p:nvPr>
-        </p:nvSpPr>
-        <p:spPr/>
-        <p:txBody>
-          <a:bodyPr/>
-          <a:lstStyle/>
-          <a:p>
-            <a:pPr>
-              <a:buFont typeface="Arial" panose="020B0604020202020204" pitchFamily="34" charset="0"/>
-              <a:buChar char="•"/>
-            </a:pPr>
-            <a:r>
-              <a:rPr lang="en-US" dirty="0"/>
-              <a:t>Why is this analysis important?</a:t>
-            </a:r>
-          </a:p>
-          <a:p>
-            <a:pPr>
-              <a:buFont typeface="Arial" panose="020B0604020202020204" pitchFamily="34" charset="0"/>
-              <a:buChar char="•"/>
-            </a:pPr>
-            <a:r>
-              <a:rPr lang="en-US" dirty="0"/>
-              <a:t>Limitations of the analysis?</a:t>
-            </a:r>
-          </a:p>
-          <a:p>
-            <a:endParaRPr lang="en-US" dirty="0"/>
-          </a:p>
-        </p:txBody>
-      </p:sp>
+              <a:rPr lang="en-US" b="1" dirty="0"/>
+              <a:t>Failed Linear Regression Model</a:t>
+            </a:r>
+          </a:p>
+        </p:txBody>
+      </p:sp>
+      <p:pic>
+        <p:nvPicPr>
+          <p:cNvPr id="5" name="Picture 4">
+            <a:extLst>
+              <a:ext uri="{FF2B5EF4-FFF2-40B4-BE49-F238E27FC236}">
+                <a16:creationId xmlns:a16="http://schemas.microsoft.com/office/drawing/2014/main" id="{8F7B2AA3-AB82-8F23-7F60-F98487F29259}"/>
+              </a:ext>
+            </a:extLst>
+          </p:cNvPr>
+          <p:cNvPicPr>
+            <a:picLocks noChangeAspect="1"/>
+          </p:cNvPicPr>
+          <p:nvPr/>
+        </p:nvPicPr>
+        <p:blipFill>
+          <a:blip r:embed="rId3"/>
+          <a:stretch>
+            <a:fillRect/>
+          </a:stretch>
+        </p:blipFill>
+        <p:spPr>
+          <a:xfrm>
+            <a:off x="6445297" y="1817698"/>
+            <a:ext cx="3858430" cy="2324499"/>
+          </a:xfrm>
+          <a:prstGeom prst="rect">
+            <a:avLst/>
+          </a:prstGeom>
+        </p:spPr>
+      </p:pic>
+      <p:pic>
+        <p:nvPicPr>
+          <p:cNvPr id="7" name="Picture 6">
+            <a:extLst>
+              <a:ext uri="{FF2B5EF4-FFF2-40B4-BE49-F238E27FC236}">
+                <a16:creationId xmlns:a16="http://schemas.microsoft.com/office/drawing/2014/main" id="{EEEDA8D6-3D06-5A9E-41AA-4383DF41ADF2}"/>
+              </a:ext>
+            </a:extLst>
+          </p:cNvPr>
+          <p:cNvPicPr>
+            <a:picLocks noChangeAspect="1"/>
+          </p:cNvPicPr>
+          <p:nvPr/>
+        </p:nvPicPr>
+        <p:blipFill>
+          <a:blip r:embed="rId4"/>
+          <a:stretch>
+            <a:fillRect/>
+          </a:stretch>
+        </p:blipFill>
+        <p:spPr>
+          <a:xfrm>
+            <a:off x="6445296" y="4284860"/>
+            <a:ext cx="3852027" cy="2324499"/>
+          </a:xfrm>
+          <a:prstGeom prst="rect">
+            <a:avLst/>
+          </a:prstGeom>
+        </p:spPr>
+      </p:pic>
+      <p:pic>
+        <p:nvPicPr>
+          <p:cNvPr id="9" name="Picture 8">
+            <a:extLst>
+              <a:ext uri="{FF2B5EF4-FFF2-40B4-BE49-F238E27FC236}">
+                <a16:creationId xmlns:a16="http://schemas.microsoft.com/office/drawing/2014/main" id="{63C83E88-059D-C54C-F352-BBE413FCDCB6}"/>
+              </a:ext>
+            </a:extLst>
+          </p:cNvPr>
+          <p:cNvPicPr>
+            <a:picLocks noChangeAspect="1"/>
+          </p:cNvPicPr>
+          <p:nvPr/>
+        </p:nvPicPr>
+        <p:blipFill>
+          <a:blip r:embed="rId5"/>
+          <a:stretch>
+            <a:fillRect/>
+          </a:stretch>
+        </p:blipFill>
+        <p:spPr>
+          <a:xfrm>
+            <a:off x="656627" y="2065270"/>
+            <a:ext cx="5590908" cy="2975081"/>
+          </a:xfrm>
+          <a:prstGeom prst="rect">
+            <a:avLst/>
+          </a:prstGeom>
+        </p:spPr>
+      </p:pic>
+      <p:pic>
+        <p:nvPicPr>
+          <p:cNvPr id="4" name="Picture 3">
+            <a:extLst>
+              <a:ext uri="{FF2B5EF4-FFF2-40B4-BE49-F238E27FC236}">
+                <a16:creationId xmlns:a16="http://schemas.microsoft.com/office/drawing/2014/main" id="{AB63F6D6-CA56-161A-58D9-E8B24E84B6D8}"/>
+              </a:ext>
+            </a:extLst>
+          </p:cNvPr>
+          <p:cNvPicPr>
+            <a:picLocks noChangeAspect="1"/>
+          </p:cNvPicPr>
+          <p:nvPr/>
+        </p:nvPicPr>
+        <p:blipFill>
+          <a:blip r:embed="rId6"/>
+          <a:stretch>
+            <a:fillRect/>
+          </a:stretch>
+        </p:blipFill>
+        <p:spPr>
+          <a:xfrm>
+            <a:off x="1011266" y="1287459"/>
+            <a:ext cx="6801799" cy="228632"/>
+          </a:xfrm>
+          <a:prstGeom prst="rect">
+            <a:avLst/>
+          </a:prstGeom>
+        </p:spPr>
+      </p:pic>
     </p:spTree>
     <p:extLst>
       <p:ext uri="{BB962C8B-B14F-4D97-AF65-F5344CB8AC3E}">
-        <p14:creationId xmlns:p14="http://schemas.microsoft.com/office/powerpoint/2010/main" val="4002347186"/>
+        <p14:creationId xmlns:p14="http://schemas.microsoft.com/office/powerpoint/2010/main" val="905893193"/>
       </p:ext>
     </p:extLst>
   </p:cSld>
@@ -4966,4 +7410,319 @@
     </a:ext>
   </a:extLst>
 </a:theme>
+</file>
+
+<file path=ppt/theme/theme2.xml><?xml version="1.0" encoding="utf-8"?>
+<a:theme xmlns:a="http://schemas.openxmlformats.org/drawingml/2006/main" name="Office Theme">
+  <a:themeElements>
+    <a:clrScheme name="Office">
+      <a:dk1>
+        <a:sysClr val="windowText" lastClr="000000"/>
+      </a:dk1>
+      <a:lt1>
+        <a:sysClr val="window" lastClr="FFFFFF"/>
+      </a:lt1>
+      <a:dk2>
+        <a:srgbClr val="0E2841"/>
+      </a:dk2>
+      <a:lt2>
+        <a:srgbClr val="E8E8E8"/>
+      </a:lt2>
+      <a:accent1>
+        <a:srgbClr val="156082"/>
+      </a:accent1>
+      <a:accent2>
+        <a:srgbClr val="E97132"/>
+      </a:accent2>
+      <a:accent3>
+        <a:srgbClr val="196B24"/>
+      </a:accent3>
+      <a:accent4>
+        <a:srgbClr val="0F9ED5"/>
+      </a:accent4>
+      <a:accent5>
+        <a:srgbClr val="A02B93"/>
+      </a:accent5>
+      <a:accent6>
+        <a:srgbClr val="4EA72E"/>
+      </a:accent6>
+      <a:hlink>
+        <a:srgbClr val="467886"/>
+      </a:hlink>
+      <a:folHlink>
+        <a:srgbClr val="96607D"/>
+      </a:folHlink>
+    </a:clrScheme>
+    <a:fontScheme name="Office">
+      <a:majorFont>
+        <a:latin typeface="Aptos Display" panose="02110004020202020204"/>
+        <a:ea typeface=""/>
+        <a:cs typeface=""/>
+        <a:font script="Jpan" typeface="游ゴシック Light"/>
+        <a:font script="Hang" typeface="맑은 고딕"/>
+        <a:font script="Hans" typeface="等线 Light"/>
+        <a:font script="Hant" typeface="新細明體"/>
+        <a:font script="Arab" typeface="Times New Roman"/>
+        <a:font script="Hebr" typeface="Times New Roman"/>
+        <a:font script="Thai" typeface="Angsana New"/>
+        <a:font script="Ethi" typeface="Nyala"/>
+        <a:font script="Beng" typeface="Vrinda"/>
+        <a:font script="Gujr" typeface="Shruti"/>
+        <a:font script="Khmr" typeface="MoolBoran"/>
+        <a:font script="Knda" typeface="Tunga"/>
+        <a:font script="Guru" typeface="Raavi"/>
+        <a:font script="Cans" typeface="Euphemia"/>
+        <a:font script="Cher" typeface="Plantagenet Cherokee"/>
+        <a:font script="Yiii" typeface="Microsoft Yi Baiti"/>
+        <a:font script="Tibt" typeface="Microsoft Himalaya"/>
+        <a:font script="Thaa" typeface="MV Boli"/>
+        <a:font script="Deva" typeface="Mangal"/>
+        <a:font script="Telu" typeface="Gautami"/>
+        <a:font script="Taml" typeface="Latha"/>
+        <a:font script="Syrc" typeface="Estrangelo Edessa"/>
+        <a:font script="Orya" typeface="Kalinga"/>
+        <a:font script="Mlym" typeface="Kartika"/>
+        <a:font script="Laoo" typeface="DokChampa"/>
+        <a:font script="Sinh" typeface="Iskoola Pota"/>
+        <a:font script="Mong" typeface="Mongolian Baiti"/>
+        <a:font script="Viet" typeface="Times New Roman"/>
+        <a:font script="Uigh" typeface="Microsoft Uighur"/>
+        <a:font script="Geor" typeface="Sylfaen"/>
+        <a:font script="Armn" typeface="Arial"/>
+        <a:font script="Bugi" typeface="Leelawadee UI"/>
+        <a:font script="Bopo" typeface="Microsoft JhengHei"/>
+        <a:font script="Java" typeface="Javanese Text"/>
+        <a:font script="Lisu" typeface="Segoe UI"/>
+        <a:font script="Mymr" typeface="Myanmar Text"/>
+        <a:font script="Nkoo" typeface="Ebrima"/>
+        <a:font script="Olck" typeface="Nirmala UI"/>
+        <a:font script="Osma" typeface="Ebrima"/>
+        <a:font script="Phag" typeface="Phagspa"/>
+        <a:font script="Syrn" typeface="Estrangelo Edessa"/>
+        <a:font script="Syrj" typeface="Estrangelo Edessa"/>
+        <a:font script="Syre" typeface="Estrangelo Edessa"/>
+        <a:font script="Sora" typeface="Nirmala UI"/>
+        <a:font script="Tale" typeface="Microsoft Tai Le"/>
+        <a:font script="Talu" typeface="Microsoft New Tai Lue"/>
+        <a:font script="Tfng" typeface="Ebrima"/>
+      </a:majorFont>
+      <a:minorFont>
+        <a:latin typeface="Aptos" panose="02110004020202020204"/>
+        <a:ea typeface=""/>
+        <a:cs typeface=""/>
+        <a:font script="Jpan" typeface="游ゴシック"/>
+        <a:font script="Hang" typeface="맑은 고딕"/>
+        <a:font script="Hans" typeface="等线"/>
+        <a:font script="Hant" typeface="新細明體"/>
+        <a:font script="Arab" typeface="Arial"/>
+        <a:font script="Hebr" typeface="Arial"/>
+        <a:font script="Thai" typeface="Cordia New"/>
+        <a:font script="Ethi" typeface="Nyala"/>
+        <a:font script="Beng" typeface="Vrinda"/>
+        <a:font script="Gujr" typeface="Shruti"/>
+        <a:font script="Khmr" typeface="DaunPenh"/>
+        <a:font script="Knda" typeface="Tunga"/>
+        <a:font script="Guru" typeface="Raavi"/>
+        <a:font script="Cans" typeface="Euphemia"/>
+        <a:font script="Cher" typeface="Plantagenet Cherokee"/>
+        <a:font script="Yiii" typeface="Microsoft Yi Baiti"/>
+        <a:font script="Tibt" typeface="Microsoft Himalaya"/>
+        <a:font script="Thaa" typeface="MV Boli"/>
+        <a:font script="Deva" typeface="Mangal"/>
+        <a:font script="Telu" typeface="Gautami"/>
+        <a:font script="Taml" typeface="Latha"/>
+        <a:font script="Syrc" typeface="Estrangelo Edessa"/>
+        <a:font script="Orya" typeface="Kalinga"/>
+        <a:font script="Mlym" typeface="Kartika"/>
+        <a:font script="Laoo" typeface="DokChampa"/>
+        <a:font script="Sinh" typeface="Iskoola Pota"/>
+        <a:font script="Mong" typeface="Mongolian Baiti"/>
+        <a:font script="Viet" typeface="Arial"/>
+        <a:font script="Uigh" typeface="Microsoft Uighur"/>
+        <a:font script="Geor" typeface="Sylfaen"/>
+        <a:font script="Armn" typeface="Arial"/>
+        <a:font script="Bugi" typeface="Leelawadee UI"/>
+        <a:font script="Bopo" typeface="Microsoft JhengHei"/>
+        <a:font script="Java" typeface="Javanese Text"/>
+        <a:font script="Lisu" typeface="Segoe UI"/>
+        <a:font script="Mymr" typeface="Myanmar Text"/>
+        <a:font script="Nkoo" typeface="Ebrima"/>
+        <a:font script="Olck" typeface="Nirmala UI"/>
+        <a:font script="Osma" typeface="Ebrima"/>
+        <a:font script="Phag" typeface="Phagspa"/>
+        <a:font script="Syrn" typeface="Estrangelo Edessa"/>
+        <a:font script="Syrj" typeface="Estrangelo Edessa"/>
+        <a:font script="Syre" typeface="Estrangelo Edessa"/>
+        <a:font script="Sora" typeface="Nirmala UI"/>
+        <a:font script="Tale" typeface="Microsoft Tai Le"/>
+        <a:font script="Talu" typeface="Microsoft New Tai Lue"/>
+        <a:font script="Tfng" typeface="Ebrima"/>
+      </a:minorFont>
+    </a:fontScheme>
+    <a:fmtScheme name="Office">
+      <a:fillStyleLst>
+        <a:solidFill>
+          <a:schemeClr val="phClr"/>
+        </a:solidFill>
+        <a:gradFill rotWithShape="1">
+          <a:gsLst>
+            <a:gs pos="0">
+              <a:schemeClr val="phClr">
+                <a:lumMod val="110000"/>
+                <a:satMod val="105000"/>
+                <a:tint val="67000"/>
+              </a:schemeClr>
+            </a:gs>
+            <a:gs pos="50000">
+              <a:schemeClr val="phClr">
+                <a:lumMod val="105000"/>
+                <a:satMod val="103000"/>
+                <a:tint val="73000"/>
+              </a:schemeClr>
+            </a:gs>
+            <a:gs pos="100000">
+              <a:schemeClr val="phClr">
+                <a:lumMod val="105000"/>
+                <a:satMod val="109000"/>
+                <a:tint val="81000"/>
+              </a:schemeClr>
+            </a:gs>
+          </a:gsLst>
+          <a:lin ang="5400000" scaled="0"/>
+        </a:gradFill>
+        <a:gradFill rotWithShape="1">
+          <a:gsLst>
+            <a:gs pos="0">
+              <a:schemeClr val="phClr">
+                <a:satMod val="103000"/>
+                <a:lumMod val="102000"/>
+                <a:tint val="94000"/>
+              </a:schemeClr>
+            </a:gs>
+            <a:gs pos="50000">
+              <a:schemeClr val="phClr">
+                <a:satMod val="110000"/>
+                <a:lumMod val="100000"/>
+                <a:shade val="100000"/>
+              </a:schemeClr>
+            </a:gs>
+            <a:gs pos="100000">
+              <a:schemeClr val="phClr">
+                <a:lumMod val="99000"/>
+                <a:satMod val="120000"/>
+                <a:shade val="78000"/>
+              </a:schemeClr>
+            </a:gs>
+          </a:gsLst>
+          <a:lin ang="5400000" scaled="0"/>
+        </a:gradFill>
+      </a:fillStyleLst>
+      <a:lnStyleLst>
+        <a:ln w="12700" cap="flat" cmpd="sng" algn="ctr">
+          <a:solidFill>
+            <a:schemeClr val="phClr"/>
+          </a:solidFill>
+          <a:prstDash val="solid"/>
+          <a:miter lim="800000"/>
+        </a:ln>
+        <a:ln w="19050" cap="flat" cmpd="sng" algn="ctr">
+          <a:solidFill>
+            <a:schemeClr val="phClr"/>
+          </a:solidFill>
+          <a:prstDash val="solid"/>
+          <a:miter lim="800000"/>
+        </a:ln>
+        <a:ln w="25400" cap="flat" cmpd="sng" algn="ctr">
+          <a:solidFill>
+            <a:schemeClr val="phClr"/>
+          </a:solidFill>
+          <a:prstDash val="solid"/>
+          <a:miter lim="800000"/>
+        </a:ln>
+      </a:lnStyleLst>
+      <a:effectStyleLst>
+        <a:effectStyle>
+          <a:effectLst/>
+        </a:effectStyle>
+        <a:effectStyle>
+          <a:effectLst/>
+        </a:effectStyle>
+        <a:effectStyle>
+          <a:effectLst>
+            <a:outerShdw blurRad="57150" dist="19050" dir="5400000" algn="ctr" rotWithShape="0">
+              <a:srgbClr val="000000">
+                <a:alpha val="63000"/>
+              </a:srgbClr>
+            </a:outerShdw>
+          </a:effectLst>
+        </a:effectStyle>
+      </a:effectStyleLst>
+      <a:bgFillStyleLst>
+        <a:solidFill>
+          <a:schemeClr val="phClr"/>
+        </a:solidFill>
+        <a:solidFill>
+          <a:schemeClr val="phClr">
+            <a:tint val="95000"/>
+            <a:satMod val="170000"/>
+          </a:schemeClr>
+        </a:solidFill>
+        <a:gradFill rotWithShape="1">
+          <a:gsLst>
+            <a:gs pos="0">
+              <a:schemeClr val="phClr">
+                <a:tint val="93000"/>
+                <a:satMod val="150000"/>
+                <a:shade val="98000"/>
+                <a:lumMod val="102000"/>
+              </a:schemeClr>
+            </a:gs>
+            <a:gs pos="50000">
+              <a:schemeClr val="phClr">
+                <a:tint val="98000"/>
+                <a:satMod val="130000"/>
+                <a:shade val="90000"/>
+                <a:lumMod val="103000"/>
+              </a:schemeClr>
+            </a:gs>
+            <a:gs pos="100000">
+              <a:schemeClr val="phClr">
+                <a:shade val="63000"/>
+                <a:satMod val="120000"/>
+              </a:schemeClr>
+            </a:gs>
+          </a:gsLst>
+          <a:lin ang="5400000" scaled="0"/>
+        </a:gradFill>
+      </a:bgFillStyleLst>
+    </a:fmtScheme>
+  </a:themeElements>
+  <a:objectDefaults>
+    <a:lnDef>
+      <a:spPr/>
+      <a:bodyPr/>
+      <a:lstStyle/>
+      <a:style>
+        <a:lnRef idx="2">
+          <a:schemeClr val="accent1"/>
+        </a:lnRef>
+        <a:fillRef idx="0">
+          <a:schemeClr val="accent1"/>
+        </a:fillRef>
+        <a:effectRef idx="1">
+          <a:schemeClr val="accent1"/>
+        </a:effectRef>
+        <a:fontRef idx="minor">
+          <a:schemeClr val="tx1"/>
+        </a:fontRef>
+      </a:style>
+    </a:lnDef>
+  </a:objectDefaults>
+  <a:extraClrSchemeLst/>
+  <a:extLst>
+    <a:ext uri="{05A4C25C-085E-4340-85A3-A5531E510DB2}">
+      <thm15:themeFamily xmlns:thm15="http://schemas.microsoft.com/office/thememl/2012/main" name="Office Theme" id="{2E142A2C-CD16-42D6-873A-C26D2A0506FA}" vid="{1BDDFF52-6CD6-40A5-AB3C-68EB2F1E4D0A}"/>
+    </a:ext>
+  </a:extLst>
+</a:theme>
 </file>